--- a/inst/template/template.pptx
+++ b/inst/template/template.pptx
@@ -1,16 +1,19 @@
 
 <file path=ppt/presentation.xml><?xml version="1.0" encoding="utf-8"?>
-<p:presentation xmlns:a="http://schemas.openxmlformats.org/drawingml/2006/main" xmlns:r="http://schemas.openxmlformats.org/officeDocument/2006/relationships" xmlns:p="http://schemas.openxmlformats.org/presentationml/2006/main" saveSubsetFonts="1" autoCompressPictures="0">
+<p:presentation xmlns:a="http://schemas.openxmlformats.org/drawingml/2006/main" xmlns:r="http://schemas.openxmlformats.org/officeDocument/2006/relationships" xmlns:p="http://schemas.openxmlformats.org/presentationml/2006/main" saveSubsetFonts="1">
   <p:sldMasterIdLst>
     <p:sldMasterId id="2147483648" r:id="rId1"/>
   </p:sldMasterIdLst>
   <p:sldSz cx="9144000" cy="6858000" type="screen4x3"/>
   <p:notesSz cx="6858000" cy="9144000"/>
+  <p:custDataLst>
+    <p:tags r:id="rId2"/>
+  </p:custDataLst>
   <p:defaultTextStyle>
     <a:defPPr>
-      <a:defRPr lang="fr-FR"/>
+      <a:defRPr lang="en-US"/>
     </a:defPPr>
-    <a:lvl1pPr marL="0" algn="l" defTabSz="457200" rtl="0" eaLnBrk="1" latinLnBrk="0" hangingPunct="1">
+    <a:lvl1pPr marL="0" algn="l" defTabSz="914400" rtl="0" eaLnBrk="1" latinLnBrk="0" hangingPunct="1">
       <a:defRPr sz="1800" kern="1200">
         <a:solidFill>
           <a:schemeClr val="tx1"/>
@@ -20,7 +23,7 @@
         <a:cs typeface="+mn-cs"/>
       </a:defRPr>
     </a:lvl1pPr>
-    <a:lvl2pPr marL="457200" algn="l" defTabSz="457200" rtl="0" eaLnBrk="1" latinLnBrk="0" hangingPunct="1">
+    <a:lvl2pPr marL="457200" algn="l" defTabSz="914400" rtl="0" eaLnBrk="1" latinLnBrk="0" hangingPunct="1">
       <a:defRPr sz="1800" kern="1200">
         <a:solidFill>
           <a:schemeClr val="tx1"/>
@@ -30,7 +33,7 @@
         <a:cs typeface="+mn-cs"/>
       </a:defRPr>
     </a:lvl2pPr>
-    <a:lvl3pPr marL="914400" algn="l" defTabSz="457200" rtl="0" eaLnBrk="1" latinLnBrk="0" hangingPunct="1">
+    <a:lvl3pPr marL="914400" algn="l" defTabSz="914400" rtl="0" eaLnBrk="1" latinLnBrk="0" hangingPunct="1">
       <a:defRPr sz="1800" kern="1200">
         <a:solidFill>
           <a:schemeClr val="tx1"/>
@@ -40,7 +43,7 @@
         <a:cs typeface="+mn-cs"/>
       </a:defRPr>
     </a:lvl3pPr>
-    <a:lvl4pPr marL="1371600" algn="l" defTabSz="457200" rtl="0" eaLnBrk="1" latinLnBrk="0" hangingPunct="1">
+    <a:lvl4pPr marL="1371600" algn="l" defTabSz="914400" rtl="0" eaLnBrk="1" latinLnBrk="0" hangingPunct="1">
       <a:defRPr sz="1800" kern="1200">
         <a:solidFill>
           <a:schemeClr val="tx1"/>
@@ -50,7 +53,7 @@
         <a:cs typeface="+mn-cs"/>
       </a:defRPr>
     </a:lvl4pPr>
-    <a:lvl5pPr marL="1828800" algn="l" defTabSz="457200" rtl="0" eaLnBrk="1" latinLnBrk="0" hangingPunct="1">
+    <a:lvl5pPr marL="1828800" algn="l" defTabSz="914400" rtl="0" eaLnBrk="1" latinLnBrk="0" hangingPunct="1">
       <a:defRPr sz="1800" kern="1200">
         <a:solidFill>
           <a:schemeClr val="tx1"/>
@@ -60,7 +63,7 @@
         <a:cs typeface="+mn-cs"/>
       </a:defRPr>
     </a:lvl5pPr>
-    <a:lvl6pPr marL="2286000" algn="l" defTabSz="457200" rtl="0" eaLnBrk="1" latinLnBrk="0" hangingPunct="1">
+    <a:lvl6pPr marL="2286000" algn="l" defTabSz="914400" rtl="0" eaLnBrk="1" latinLnBrk="0" hangingPunct="1">
       <a:defRPr sz="1800" kern="1200">
         <a:solidFill>
           <a:schemeClr val="tx1"/>
@@ -70,7 +73,7 @@
         <a:cs typeface="+mn-cs"/>
       </a:defRPr>
     </a:lvl6pPr>
-    <a:lvl7pPr marL="2743200" algn="l" defTabSz="457200" rtl="0" eaLnBrk="1" latinLnBrk="0" hangingPunct="1">
+    <a:lvl7pPr marL="2743200" algn="l" defTabSz="914400" rtl="0" eaLnBrk="1" latinLnBrk="0" hangingPunct="1">
       <a:defRPr sz="1800" kern="1200">
         <a:solidFill>
           <a:schemeClr val="tx1"/>
@@ -80,7 +83,7 @@
         <a:cs typeface="+mn-cs"/>
       </a:defRPr>
     </a:lvl7pPr>
-    <a:lvl8pPr marL="3200400" algn="l" defTabSz="457200" rtl="0" eaLnBrk="1" latinLnBrk="0" hangingPunct="1">
+    <a:lvl8pPr marL="3200400" algn="l" defTabSz="914400" rtl="0" eaLnBrk="1" latinLnBrk="0" hangingPunct="1">
       <a:defRPr sz="1800" kern="1200">
         <a:solidFill>
           <a:schemeClr val="tx1"/>
@@ -90,7 +93,7 @@
         <a:cs typeface="+mn-cs"/>
       </a:defRPr>
     </a:lvl8pPr>
-    <a:lvl9pPr marL="3657600" algn="l" defTabSz="457200" rtl="0" eaLnBrk="1" latinLnBrk="0" hangingPunct="1">
+    <a:lvl9pPr marL="3657600" algn="l" defTabSz="914400" rtl="0" eaLnBrk="1" latinLnBrk="0" hangingPunct="1">
       <a:defRPr sz="1800" kern="1200">
         <a:solidFill>
           <a:schemeClr val="tx1"/>
@@ -106,7 +109,7 @@
 
 <file path=ppt/slideLayouts/slideLayout1.xml><?xml version="1.0" encoding="utf-8"?>
 <p:sldLayout xmlns:a="http://schemas.openxmlformats.org/drawingml/2006/main" xmlns:r="http://schemas.openxmlformats.org/officeDocument/2006/relationships" xmlns:p="http://schemas.openxmlformats.org/presentationml/2006/main" type="title" preserve="1">
-  <p:cSld name="Diapositive de titre">
+  <p:cSld name="Title Slide">
     <p:spTree>
       <p:nvGrpSpPr>
         <p:cNvPr id="1" name=""/>
@@ -123,7 +126,7 @@
       </p:grpSpPr>
       <p:sp>
         <p:nvSpPr>
-          <p:cNvPr id="2" name="Titre 1"/>
+          <p:cNvPr id="2" name="Title 1"/>
           <p:cNvSpPr>
             <a:spLocks noGrp="1"/>
           </p:cNvSpPr>
@@ -142,16 +145,16 @@
           <a:lstStyle/>
           <a:p>
             <a:r>
-              <a:rPr lang="fr-FR" smtClean="0"/>
-              <a:t>Cliquez et modifiez le titre</a:t>
-            </a:r>
-            <a:endParaRPr lang="fr-FR"/>
-          </a:p>
-        </p:txBody>
-      </p:sp>
-      <p:sp>
-        <p:nvSpPr>
-          <p:cNvPr id="3" name="Sous-titre 2"/>
+              <a:rPr lang="en-US" smtClean="0"/>
+              <a:t>Click to edit Master title style</a:t>
+            </a:r>
+            <a:endParaRPr lang="en-GB"/>
+          </a:p>
+        </p:txBody>
+      </p:sp>
+      <p:sp>
+        <p:nvSpPr>
+          <p:cNvPr id="3" name="Subtitle 2"/>
           <p:cNvSpPr>
             <a:spLocks noGrp="1"/>
           </p:cNvSpPr>
@@ -261,16 +264,16 @@
           </a:lstStyle>
           <a:p>
             <a:r>
-              <a:rPr lang="fr-FR" smtClean="0"/>
-              <a:t>Cliquez pour modifier le style des sous-titres du masque</a:t>
-            </a:r>
-            <a:endParaRPr lang="fr-FR"/>
-          </a:p>
-        </p:txBody>
-      </p:sp>
-      <p:sp>
-        <p:nvSpPr>
-          <p:cNvPr id="4" name="Espace réservé de la date 3"/>
+              <a:rPr lang="en-US" smtClean="0"/>
+              <a:t>Click to edit Master subtitle style</a:t>
+            </a:r>
+            <a:endParaRPr lang="en-GB"/>
+          </a:p>
+        </p:txBody>
+      </p:sp>
+      <p:sp>
+        <p:nvSpPr>
+          <p:cNvPr id="4" name="Date Placeholder 3"/>
           <p:cNvSpPr>
             <a:spLocks noGrp="1"/>
           </p:cNvSpPr>
@@ -283,17 +286,17 @@
           <a:bodyPr/>
           <a:lstStyle/>
           <a:p>
-            <a:fld id="{05BC3847-EEEF-4C4E-8432-08ECA26E08C2}" type="datetimeFigureOut">
-              <a:rPr lang="fr-FR" smtClean="0"/>
-              <a:t>30/01/17</a:t>
+            <a:fld id="{E6744CE3-0875-4B69-89C0-6F72D8139561}" type="datetimeFigureOut">
+              <a:rPr lang="en-GB" smtClean="0"/>
+              <a:t>13/02/2017</a:t>
             </a:fld>
-            <a:endParaRPr lang="fr-FR"/>
-          </a:p>
-        </p:txBody>
-      </p:sp>
-      <p:sp>
-        <p:nvSpPr>
-          <p:cNvPr id="5" name="Espace réservé du pied de page 4"/>
+            <a:endParaRPr lang="en-GB"/>
+          </a:p>
+        </p:txBody>
+      </p:sp>
+      <p:sp>
+        <p:nvSpPr>
+          <p:cNvPr id="5" name="Footer Placeholder 4"/>
           <p:cNvSpPr>
             <a:spLocks noGrp="1"/>
           </p:cNvSpPr>
@@ -306,13 +309,13 @@
           <a:bodyPr/>
           <a:lstStyle/>
           <a:p>
-            <a:endParaRPr lang="fr-FR"/>
-          </a:p>
-        </p:txBody>
-      </p:sp>
-      <p:sp>
-        <p:nvSpPr>
-          <p:cNvPr id="6" name="Espace réservé du numéro de diapositive 5"/>
+            <a:endParaRPr lang="en-GB"/>
+          </a:p>
+        </p:txBody>
+      </p:sp>
+      <p:sp>
+        <p:nvSpPr>
+          <p:cNvPr id="6" name="Slide Number Placeholder 5"/>
           <p:cNvSpPr>
             <a:spLocks noGrp="1"/>
           </p:cNvSpPr>
@@ -325,18 +328,18 @@
           <a:bodyPr/>
           <a:lstStyle/>
           <a:p>
-            <a:fld id="{450B7CEA-298C-E947-AA82-87C5CD1A8865}" type="slidenum">
-              <a:rPr lang="fr-FR" smtClean="0"/>
+            <a:fld id="{8DADB20D-508E-4C6D-A9E4-257D5607B0F6}" type="slidenum">
+              <a:rPr lang="en-GB" smtClean="0"/>
               <a:t>‹#›</a:t>
             </a:fld>
-            <a:endParaRPr lang="fr-FR"/>
+            <a:endParaRPr lang="en-GB"/>
           </a:p>
         </p:txBody>
       </p:sp>
     </p:spTree>
     <p:extLst>
       <p:ext uri="{BB962C8B-B14F-4D97-AF65-F5344CB8AC3E}">
-        <p14:creationId xmlns:p14="http://schemas.microsoft.com/office/powerpoint/2010/main" val="408453524"/>
+        <p14:creationId xmlns:p14="http://schemas.microsoft.com/office/powerpoint/2010/main" val="4214881138"/>
       </p:ext>
     </p:extLst>
   </p:cSld>
@@ -348,7 +351,7 @@
 
 <file path=ppt/slideLayouts/slideLayout10.xml><?xml version="1.0" encoding="utf-8"?>
 <p:sldLayout xmlns:a="http://schemas.openxmlformats.org/drawingml/2006/main" xmlns:r="http://schemas.openxmlformats.org/officeDocument/2006/relationships" xmlns:p="http://schemas.openxmlformats.org/presentationml/2006/main" type="vertTx" preserve="1">
-  <p:cSld name="Titre et texte vertical">
+  <p:cSld name="Title and Vertical Text">
     <p:spTree>
       <p:nvGrpSpPr>
         <p:cNvPr id="1" name=""/>
@@ -365,7 +368,7 @@
       </p:grpSpPr>
       <p:sp>
         <p:nvSpPr>
-          <p:cNvPr id="2" name="Titre 1"/>
+          <p:cNvPr id="2" name="Title 1"/>
           <p:cNvSpPr>
             <a:spLocks noGrp="1"/>
           </p:cNvSpPr>
@@ -379,16 +382,16 @@
           <a:lstStyle/>
           <a:p>
             <a:r>
-              <a:rPr lang="fr-FR" smtClean="0"/>
-              <a:t>Cliquez et modifiez le titre</a:t>
-            </a:r>
-            <a:endParaRPr lang="fr-FR"/>
-          </a:p>
-        </p:txBody>
-      </p:sp>
-      <p:sp>
-        <p:nvSpPr>
-          <p:cNvPr id="3" name="Espace réservé du texte vertical 2"/>
+              <a:rPr lang="en-US" smtClean="0"/>
+              <a:t>Click to edit Master title style</a:t>
+            </a:r>
+            <a:endParaRPr lang="en-GB"/>
+          </a:p>
+        </p:txBody>
+      </p:sp>
+      <p:sp>
+        <p:nvSpPr>
+          <p:cNvPr id="3" name="Vertical Text Placeholder 2"/>
           <p:cNvSpPr>
             <a:spLocks noGrp="1"/>
           </p:cNvSpPr>
@@ -403,44 +406,44 @@
           <a:p>
             <a:pPr lvl="0"/>
             <a:r>
-              <a:rPr lang="fr-FR" smtClean="0"/>
-              <a:t>Cliquez pour modifier les styles du texte du masque</a:t>
+              <a:rPr lang="en-US" smtClean="0"/>
+              <a:t>Click to edit Master text styles</a:t>
             </a:r>
           </a:p>
           <a:p>
             <a:pPr lvl="1"/>
             <a:r>
-              <a:rPr lang="fr-FR" smtClean="0"/>
-              <a:t>Deuxième niveau</a:t>
+              <a:rPr lang="en-US" smtClean="0"/>
+              <a:t>Second level</a:t>
             </a:r>
           </a:p>
           <a:p>
             <a:pPr lvl="2"/>
             <a:r>
-              <a:rPr lang="fr-FR" smtClean="0"/>
-              <a:t>Troisième niveau</a:t>
+              <a:rPr lang="en-US" smtClean="0"/>
+              <a:t>Third level</a:t>
             </a:r>
           </a:p>
           <a:p>
             <a:pPr lvl="3"/>
             <a:r>
-              <a:rPr lang="fr-FR" smtClean="0"/>
-              <a:t>Quatrième niveau</a:t>
+              <a:rPr lang="en-US" smtClean="0"/>
+              <a:t>Fourth level</a:t>
             </a:r>
           </a:p>
           <a:p>
             <a:pPr lvl="4"/>
             <a:r>
-              <a:rPr lang="fr-FR" smtClean="0"/>
-              <a:t>Cinquième niveau</a:t>
-            </a:r>
-            <a:endParaRPr lang="fr-FR"/>
-          </a:p>
-        </p:txBody>
-      </p:sp>
-      <p:sp>
-        <p:nvSpPr>
-          <p:cNvPr id="4" name="Espace réservé de la date 3"/>
+              <a:rPr lang="en-US" smtClean="0"/>
+              <a:t>Fifth level</a:t>
+            </a:r>
+            <a:endParaRPr lang="en-GB"/>
+          </a:p>
+        </p:txBody>
+      </p:sp>
+      <p:sp>
+        <p:nvSpPr>
+          <p:cNvPr id="4" name="Date Placeholder 3"/>
           <p:cNvSpPr>
             <a:spLocks noGrp="1"/>
           </p:cNvSpPr>
@@ -453,17 +456,17 @@
           <a:bodyPr/>
           <a:lstStyle/>
           <a:p>
-            <a:fld id="{05BC3847-EEEF-4C4E-8432-08ECA26E08C2}" type="datetimeFigureOut">
-              <a:rPr lang="fr-FR" smtClean="0"/>
-              <a:t>30/01/17</a:t>
+            <a:fld id="{E6744CE3-0875-4B69-89C0-6F72D8139561}" type="datetimeFigureOut">
+              <a:rPr lang="en-GB" smtClean="0"/>
+              <a:t>13/02/2017</a:t>
             </a:fld>
-            <a:endParaRPr lang="fr-FR"/>
-          </a:p>
-        </p:txBody>
-      </p:sp>
-      <p:sp>
-        <p:nvSpPr>
-          <p:cNvPr id="5" name="Espace réservé du pied de page 4"/>
+            <a:endParaRPr lang="en-GB"/>
+          </a:p>
+        </p:txBody>
+      </p:sp>
+      <p:sp>
+        <p:nvSpPr>
+          <p:cNvPr id="5" name="Footer Placeholder 4"/>
           <p:cNvSpPr>
             <a:spLocks noGrp="1"/>
           </p:cNvSpPr>
@@ -476,13 +479,13 @@
           <a:bodyPr/>
           <a:lstStyle/>
           <a:p>
-            <a:endParaRPr lang="fr-FR"/>
-          </a:p>
-        </p:txBody>
-      </p:sp>
-      <p:sp>
-        <p:nvSpPr>
-          <p:cNvPr id="6" name="Espace réservé du numéro de diapositive 5"/>
+            <a:endParaRPr lang="en-GB"/>
+          </a:p>
+        </p:txBody>
+      </p:sp>
+      <p:sp>
+        <p:nvSpPr>
+          <p:cNvPr id="6" name="Slide Number Placeholder 5"/>
           <p:cNvSpPr>
             <a:spLocks noGrp="1"/>
           </p:cNvSpPr>
@@ -495,18 +498,18 @@
           <a:bodyPr/>
           <a:lstStyle/>
           <a:p>
-            <a:fld id="{450B7CEA-298C-E947-AA82-87C5CD1A8865}" type="slidenum">
-              <a:rPr lang="fr-FR" smtClean="0"/>
+            <a:fld id="{8DADB20D-508E-4C6D-A9E4-257D5607B0F6}" type="slidenum">
+              <a:rPr lang="en-GB" smtClean="0"/>
               <a:t>‹#›</a:t>
             </a:fld>
-            <a:endParaRPr lang="fr-FR"/>
+            <a:endParaRPr lang="en-GB"/>
           </a:p>
         </p:txBody>
       </p:sp>
     </p:spTree>
     <p:extLst>
       <p:ext uri="{BB962C8B-B14F-4D97-AF65-F5344CB8AC3E}">
-        <p14:creationId xmlns:p14="http://schemas.microsoft.com/office/powerpoint/2010/main" val="905604661"/>
+        <p14:creationId xmlns:p14="http://schemas.microsoft.com/office/powerpoint/2010/main" val="3354597055"/>
       </p:ext>
     </p:extLst>
   </p:cSld>
@@ -518,7 +521,7 @@
 
 <file path=ppt/slideLayouts/slideLayout11.xml><?xml version="1.0" encoding="utf-8"?>
 <p:sldLayout xmlns:a="http://schemas.openxmlformats.org/drawingml/2006/main" xmlns:r="http://schemas.openxmlformats.org/officeDocument/2006/relationships" xmlns:p="http://schemas.openxmlformats.org/presentationml/2006/main" type="vertTitleAndTx" preserve="1">
-  <p:cSld name="Titre vertical et texte">
+  <p:cSld name="Vertical Title and Text">
     <p:spTree>
       <p:nvGrpSpPr>
         <p:cNvPr id="1" name=""/>
@@ -535,7 +538,7 @@
       </p:grpSpPr>
       <p:sp>
         <p:nvSpPr>
-          <p:cNvPr id="2" name="Titre vertical 1"/>
+          <p:cNvPr id="2" name="Vertical Title 1"/>
           <p:cNvSpPr>
             <a:spLocks noGrp="1"/>
           </p:cNvSpPr>
@@ -554,16 +557,16 @@
           <a:lstStyle/>
           <a:p>
             <a:r>
-              <a:rPr lang="fr-FR" smtClean="0"/>
-              <a:t>Cliquez et modifiez le titre</a:t>
-            </a:r>
-            <a:endParaRPr lang="fr-FR"/>
-          </a:p>
-        </p:txBody>
-      </p:sp>
-      <p:sp>
-        <p:nvSpPr>
-          <p:cNvPr id="3" name="Espace réservé du texte vertical 2"/>
+              <a:rPr lang="en-US" smtClean="0"/>
+              <a:t>Click to edit Master title style</a:t>
+            </a:r>
+            <a:endParaRPr lang="en-GB"/>
+          </a:p>
+        </p:txBody>
+      </p:sp>
+      <p:sp>
+        <p:nvSpPr>
+          <p:cNvPr id="3" name="Vertical Text Placeholder 2"/>
           <p:cNvSpPr>
             <a:spLocks noGrp="1"/>
           </p:cNvSpPr>
@@ -583,44 +586,44 @@
           <a:p>
             <a:pPr lvl="0"/>
             <a:r>
-              <a:rPr lang="fr-FR" smtClean="0"/>
-              <a:t>Cliquez pour modifier les styles du texte du masque</a:t>
+              <a:rPr lang="en-US" smtClean="0"/>
+              <a:t>Click to edit Master text styles</a:t>
             </a:r>
           </a:p>
           <a:p>
             <a:pPr lvl="1"/>
             <a:r>
-              <a:rPr lang="fr-FR" smtClean="0"/>
-              <a:t>Deuxième niveau</a:t>
+              <a:rPr lang="en-US" smtClean="0"/>
+              <a:t>Second level</a:t>
             </a:r>
           </a:p>
           <a:p>
             <a:pPr lvl="2"/>
             <a:r>
-              <a:rPr lang="fr-FR" smtClean="0"/>
-              <a:t>Troisième niveau</a:t>
+              <a:rPr lang="en-US" smtClean="0"/>
+              <a:t>Third level</a:t>
             </a:r>
           </a:p>
           <a:p>
             <a:pPr lvl="3"/>
             <a:r>
-              <a:rPr lang="fr-FR" smtClean="0"/>
-              <a:t>Quatrième niveau</a:t>
+              <a:rPr lang="en-US" smtClean="0"/>
+              <a:t>Fourth level</a:t>
             </a:r>
           </a:p>
           <a:p>
             <a:pPr lvl="4"/>
             <a:r>
-              <a:rPr lang="fr-FR" smtClean="0"/>
-              <a:t>Cinquième niveau</a:t>
-            </a:r>
-            <a:endParaRPr lang="fr-FR"/>
-          </a:p>
-        </p:txBody>
-      </p:sp>
-      <p:sp>
-        <p:nvSpPr>
-          <p:cNvPr id="4" name="Espace réservé de la date 3"/>
+              <a:rPr lang="en-US" smtClean="0"/>
+              <a:t>Fifth level</a:t>
+            </a:r>
+            <a:endParaRPr lang="en-GB"/>
+          </a:p>
+        </p:txBody>
+      </p:sp>
+      <p:sp>
+        <p:nvSpPr>
+          <p:cNvPr id="4" name="Date Placeholder 3"/>
           <p:cNvSpPr>
             <a:spLocks noGrp="1"/>
           </p:cNvSpPr>
@@ -633,17 +636,17 @@
           <a:bodyPr/>
           <a:lstStyle/>
           <a:p>
-            <a:fld id="{05BC3847-EEEF-4C4E-8432-08ECA26E08C2}" type="datetimeFigureOut">
-              <a:rPr lang="fr-FR" smtClean="0"/>
-              <a:t>30/01/17</a:t>
+            <a:fld id="{E6744CE3-0875-4B69-89C0-6F72D8139561}" type="datetimeFigureOut">
+              <a:rPr lang="en-GB" smtClean="0"/>
+              <a:t>13/02/2017</a:t>
             </a:fld>
-            <a:endParaRPr lang="fr-FR"/>
-          </a:p>
-        </p:txBody>
-      </p:sp>
-      <p:sp>
-        <p:nvSpPr>
-          <p:cNvPr id="5" name="Espace réservé du pied de page 4"/>
+            <a:endParaRPr lang="en-GB"/>
+          </a:p>
+        </p:txBody>
+      </p:sp>
+      <p:sp>
+        <p:nvSpPr>
+          <p:cNvPr id="5" name="Footer Placeholder 4"/>
           <p:cNvSpPr>
             <a:spLocks noGrp="1"/>
           </p:cNvSpPr>
@@ -656,13 +659,13 @@
           <a:bodyPr/>
           <a:lstStyle/>
           <a:p>
-            <a:endParaRPr lang="fr-FR"/>
-          </a:p>
-        </p:txBody>
-      </p:sp>
-      <p:sp>
-        <p:nvSpPr>
-          <p:cNvPr id="6" name="Espace réservé du numéro de diapositive 5"/>
+            <a:endParaRPr lang="en-GB"/>
+          </a:p>
+        </p:txBody>
+      </p:sp>
+      <p:sp>
+        <p:nvSpPr>
+          <p:cNvPr id="6" name="Slide Number Placeholder 5"/>
           <p:cNvSpPr>
             <a:spLocks noGrp="1"/>
           </p:cNvSpPr>
@@ -675,18 +678,18 @@
           <a:bodyPr/>
           <a:lstStyle/>
           <a:p>
-            <a:fld id="{450B7CEA-298C-E947-AA82-87C5CD1A8865}" type="slidenum">
-              <a:rPr lang="fr-FR" smtClean="0"/>
+            <a:fld id="{8DADB20D-508E-4C6D-A9E4-257D5607B0F6}" type="slidenum">
+              <a:rPr lang="en-GB" smtClean="0"/>
               <a:t>‹#›</a:t>
             </a:fld>
-            <a:endParaRPr lang="fr-FR"/>
+            <a:endParaRPr lang="en-GB"/>
           </a:p>
         </p:txBody>
       </p:sp>
     </p:spTree>
     <p:extLst>
       <p:ext uri="{BB962C8B-B14F-4D97-AF65-F5344CB8AC3E}">
-        <p14:creationId xmlns:p14="http://schemas.microsoft.com/office/powerpoint/2010/main" val="1351614055"/>
+        <p14:creationId xmlns:p14="http://schemas.microsoft.com/office/powerpoint/2010/main" val="555553771"/>
       </p:ext>
     </p:extLst>
   </p:cSld>
@@ -698,7 +701,7 @@
 
 <file path=ppt/slideLayouts/slideLayout2.xml><?xml version="1.0" encoding="utf-8"?>
 <p:sldLayout xmlns:a="http://schemas.openxmlformats.org/drawingml/2006/main" xmlns:r="http://schemas.openxmlformats.org/officeDocument/2006/relationships" xmlns:p="http://schemas.openxmlformats.org/presentationml/2006/main" type="obj" preserve="1">
-  <p:cSld name="Titre et contenu">
+  <p:cSld name="Title and Content">
     <p:spTree>
       <p:nvGrpSpPr>
         <p:cNvPr id="1" name=""/>
@@ -715,7 +718,7 @@
       </p:grpSpPr>
       <p:sp>
         <p:nvSpPr>
-          <p:cNvPr id="2" name="Titre 1"/>
+          <p:cNvPr id="2" name="Title 1"/>
           <p:cNvSpPr>
             <a:spLocks noGrp="1"/>
           </p:cNvSpPr>
@@ -729,16 +732,16 @@
           <a:lstStyle/>
           <a:p>
             <a:r>
-              <a:rPr lang="fr-FR" smtClean="0"/>
-              <a:t>Cliquez et modifiez le titre</a:t>
-            </a:r>
-            <a:endParaRPr lang="fr-FR"/>
-          </a:p>
-        </p:txBody>
-      </p:sp>
-      <p:sp>
-        <p:nvSpPr>
-          <p:cNvPr id="3" name="Espace réservé du contenu 2"/>
+              <a:rPr lang="en-US" smtClean="0"/>
+              <a:t>Click to edit Master title style</a:t>
+            </a:r>
+            <a:endParaRPr lang="en-GB"/>
+          </a:p>
+        </p:txBody>
+      </p:sp>
+      <p:sp>
+        <p:nvSpPr>
+          <p:cNvPr id="3" name="Content Placeholder 2"/>
           <p:cNvSpPr>
             <a:spLocks noGrp="1"/>
           </p:cNvSpPr>
@@ -753,44 +756,44 @@
           <a:p>
             <a:pPr lvl="0"/>
             <a:r>
-              <a:rPr lang="fr-FR" smtClean="0"/>
-              <a:t>Cliquez pour modifier les styles du texte du masque</a:t>
+              <a:rPr lang="en-US" smtClean="0"/>
+              <a:t>Click to edit Master text styles</a:t>
             </a:r>
           </a:p>
           <a:p>
             <a:pPr lvl="1"/>
             <a:r>
-              <a:rPr lang="fr-FR" smtClean="0"/>
-              <a:t>Deuxième niveau</a:t>
+              <a:rPr lang="en-US" smtClean="0"/>
+              <a:t>Second level</a:t>
             </a:r>
           </a:p>
           <a:p>
             <a:pPr lvl="2"/>
             <a:r>
-              <a:rPr lang="fr-FR" smtClean="0"/>
-              <a:t>Troisième niveau</a:t>
+              <a:rPr lang="en-US" smtClean="0"/>
+              <a:t>Third level</a:t>
             </a:r>
           </a:p>
           <a:p>
             <a:pPr lvl="3"/>
             <a:r>
-              <a:rPr lang="fr-FR" smtClean="0"/>
-              <a:t>Quatrième niveau</a:t>
+              <a:rPr lang="en-US" smtClean="0"/>
+              <a:t>Fourth level</a:t>
             </a:r>
           </a:p>
           <a:p>
             <a:pPr lvl="4"/>
             <a:r>
-              <a:rPr lang="fr-FR" smtClean="0"/>
-              <a:t>Cinquième niveau</a:t>
-            </a:r>
-            <a:endParaRPr lang="fr-FR"/>
-          </a:p>
-        </p:txBody>
-      </p:sp>
-      <p:sp>
-        <p:nvSpPr>
-          <p:cNvPr id="4" name="Espace réservé de la date 3"/>
+              <a:rPr lang="en-US" smtClean="0"/>
+              <a:t>Fifth level</a:t>
+            </a:r>
+            <a:endParaRPr lang="en-GB"/>
+          </a:p>
+        </p:txBody>
+      </p:sp>
+      <p:sp>
+        <p:nvSpPr>
+          <p:cNvPr id="4" name="Date Placeholder 3"/>
           <p:cNvSpPr>
             <a:spLocks noGrp="1"/>
           </p:cNvSpPr>
@@ -803,17 +806,17 @@
           <a:bodyPr/>
           <a:lstStyle/>
           <a:p>
-            <a:fld id="{05BC3847-EEEF-4C4E-8432-08ECA26E08C2}" type="datetimeFigureOut">
-              <a:rPr lang="fr-FR" smtClean="0"/>
-              <a:t>30/01/17</a:t>
+            <a:fld id="{E6744CE3-0875-4B69-89C0-6F72D8139561}" type="datetimeFigureOut">
+              <a:rPr lang="en-GB" smtClean="0"/>
+              <a:t>13/02/2017</a:t>
             </a:fld>
-            <a:endParaRPr lang="fr-FR"/>
-          </a:p>
-        </p:txBody>
-      </p:sp>
-      <p:sp>
-        <p:nvSpPr>
-          <p:cNvPr id="5" name="Espace réservé du pied de page 4"/>
+            <a:endParaRPr lang="en-GB"/>
+          </a:p>
+        </p:txBody>
+      </p:sp>
+      <p:sp>
+        <p:nvSpPr>
+          <p:cNvPr id="5" name="Footer Placeholder 4"/>
           <p:cNvSpPr>
             <a:spLocks noGrp="1"/>
           </p:cNvSpPr>
@@ -826,13 +829,13 @@
           <a:bodyPr/>
           <a:lstStyle/>
           <a:p>
-            <a:endParaRPr lang="fr-FR"/>
-          </a:p>
-        </p:txBody>
-      </p:sp>
-      <p:sp>
-        <p:nvSpPr>
-          <p:cNvPr id="6" name="Espace réservé du numéro de diapositive 5"/>
+            <a:endParaRPr lang="en-GB"/>
+          </a:p>
+        </p:txBody>
+      </p:sp>
+      <p:sp>
+        <p:nvSpPr>
+          <p:cNvPr id="6" name="Slide Number Placeholder 5"/>
           <p:cNvSpPr>
             <a:spLocks noGrp="1"/>
           </p:cNvSpPr>
@@ -845,18 +848,18 @@
           <a:bodyPr/>
           <a:lstStyle/>
           <a:p>
-            <a:fld id="{450B7CEA-298C-E947-AA82-87C5CD1A8865}" type="slidenum">
-              <a:rPr lang="fr-FR" smtClean="0"/>
+            <a:fld id="{8DADB20D-508E-4C6D-A9E4-257D5607B0F6}" type="slidenum">
+              <a:rPr lang="en-GB" smtClean="0"/>
               <a:t>‹#›</a:t>
             </a:fld>
-            <a:endParaRPr lang="fr-FR"/>
+            <a:endParaRPr lang="en-GB"/>
           </a:p>
         </p:txBody>
       </p:sp>
     </p:spTree>
     <p:extLst>
       <p:ext uri="{BB962C8B-B14F-4D97-AF65-F5344CB8AC3E}">
-        <p14:creationId xmlns:p14="http://schemas.microsoft.com/office/powerpoint/2010/main" val="4080994696"/>
+        <p14:creationId xmlns:p14="http://schemas.microsoft.com/office/powerpoint/2010/main" val="271576982"/>
       </p:ext>
     </p:extLst>
   </p:cSld>
@@ -868,7 +871,7 @@
 
 <file path=ppt/slideLayouts/slideLayout3.xml><?xml version="1.0" encoding="utf-8"?>
 <p:sldLayout xmlns:a="http://schemas.openxmlformats.org/drawingml/2006/main" xmlns:r="http://schemas.openxmlformats.org/officeDocument/2006/relationships" xmlns:p="http://schemas.openxmlformats.org/presentationml/2006/main" type="secHead" preserve="1">
-  <p:cSld name="En-tête de section">
+  <p:cSld name="Section Header">
     <p:spTree>
       <p:nvGrpSpPr>
         <p:cNvPr id="1" name=""/>
@@ -885,7 +888,7 @@
       </p:grpSpPr>
       <p:sp>
         <p:nvSpPr>
-          <p:cNvPr id="2" name="Titre 1"/>
+          <p:cNvPr id="2" name="Title 1"/>
           <p:cNvSpPr>
             <a:spLocks noGrp="1"/>
           </p:cNvSpPr>
@@ -908,16 +911,16 @@
           </a:lstStyle>
           <a:p>
             <a:r>
-              <a:rPr lang="fr-FR" smtClean="0"/>
-              <a:t>Cliquez et modifiez le titre</a:t>
-            </a:r>
-            <a:endParaRPr lang="fr-FR"/>
-          </a:p>
-        </p:txBody>
-      </p:sp>
-      <p:sp>
-        <p:nvSpPr>
-          <p:cNvPr id="3" name="Espace réservé du texte 2"/>
+              <a:rPr lang="en-US" smtClean="0"/>
+              <a:t>Click to edit Master title style</a:t>
+            </a:r>
+            <a:endParaRPr lang="en-GB"/>
+          </a:p>
+        </p:txBody>
+      </p:sp>
+      <p:sp>
+        <p:nvSpPr>
+          <p:cNvPr id="3" name="Text Placeholder 2"/>
           <p:cNvSpPr>
             <a:spLocks noGrp="1"/>
           </p:cNvSpPr>
@@ -1028,15 +1031,15 @@
           <a:p>
             <a:pPr lvl="0"/>
             <a:r>
-              <a:rPr lang="fr-FR" smtClean="0"/>
-              <a:t>Cliquez pour modifier les styles du texte du masque</a:t>
-            </a:r>
-          </a:p>
-        </p:txBody>
-      </p:sp>
-      <p:sp>
-        <p:nvSpPr>
-          <p:cNvPr id="4" name="Espace réservé de la date 3"/>
+              <a:rPr lang="en-US" smtClean="0"/>
+              <a:t>Click to edit Master text styles</a:t>
+            </a:r>
+          </a:p>
+        </p:txBody>
+      </p:sp>
+      <p:sp>
+        <p:nvSpPr>
+          <p:cNvPr id="4" name="Date Placeholder 3"/>
           <p:cNvSpPr>
             <a:spLocks noGrp="1"/>
           </p:cNvSpPr>
@@ -1049,17 +1052,17 @@
           <a:bodyPr/>
           <a:lstStyle/>
           <a:p>
-            <a:fld id="{05BC3847-EEEF-4C4E-8432-08ECA26E08C2}" type="datetimeFigureOut">
-              <a:rPr lang="fr-FR" smtClean="0"/>
-              <a:t>30/01/17</a:t>
+            <a:fld id="{E6744CE3-0875-4B69-89C0-6F72D8139561}" type="datetimeFigureOut">
+              <a:rPr lang="en-GB" smtClean="0"/>
+              <a:t>13/02/2017</a:t>
             </a:fld>
-            <a:endParaRPr lang="fr-FR"/>
-          </a:p>
-        </p:txBody>
-      </p:sp>
-      <p:sp>
-        <p:nvSpPr>
-          <p:cNvPr id="5" name="Espace réservé du pied de page 4"/>
+            <a:endParaRPr lang="en-GB"/>
+          </a:p>
+        </p:txBody>
+      </p:sp>
+      <p:sp>
+        <p:nvSpPr>
+          <p:cNvPr id="5" name="Footer Placeholder 4"/>
           <p:cNvSpPr>
             <a:spLocks noGrp="1"/>
           </p:cNvSpPr>
@@ -1072,13 +1075,13 @@
           <a:bodyPr/>
           <a:lstStyle/>
           <a:p>
-            <a:endParaRPr lang="fr-FR"/>
-          </a:p>
-        </p:txBody>
-      </p:sp>
-      <p:sp>
-        <p:nvSpPr>
-          <p:cNvPr id="6" name="Espace réservé du numéro de diapositive 5"/>
+            <a:endParaRPr lang="en-GB"/>
+          </a:p>
+        </p:txBody>
+      </p:sp>
+      <p:sp>
+        <p:nvSpPr>
+          <p:cNvPr id="6" name="Slide Number Placeholder 5"/>
           <p:cNvSpPr>
             <a:spLocks noGrp="1"/>
           </p:cNvSpPr>
@@ -1091,18 +1094,18 @@
           <a:bodyPr/>
           <a:lstStyle/>
           <a:p>
-            <a:fld id="{450B7CEA-298C-E947-AA82-87C5CD1A8865}" type="slidenum">
-              <a:rPr lang="fr-FR" smtClean="0"/>
+            <a:fld id="{8DADB20D-508E-4C6D-A9E4-257D5607B0F6}" type="slidenum">
+              <a:rPr lang="en-GB" smtClean="0"/>
               <a:t>‹#›</a:t>
             </a:fld>
-            <a:endParaRPr lang="fr-FR"/>
+            <a:endParaRPr lang="en-GB"/>
           </a:p>
         </p:txBody>
       </p:sp>
     </p:spTree>
     <p:extLst>
       <p:ext uri="{BB962C8B-B14F-4D97-AF65-F5344CB8AC3E}">
-        <p14:creationId xmlns:p14="http://schemas.microsoft.com/office/powerpoint/2010/main" val="750208608"/>
+        <p14:creationId xmlns:p14="http://schemas.microsoft.com/office/powerpoint/2010/main" val="1431545585"/>
       </p:ext>
     </p:extLst>
   </p:cSld>
@@ -1114,7 +1117,7 @@
 
 <file path=ppt/slideLayouts/slideLayout4.xml><?xml version="1.0" encoding="utf-8"?>
 <p:sldLayout xmlns:a="http://schemas.openxmlformats.org/drawingml/2006/main" xmlns:r="http://schemas.openxmlformats.org/officeDocument/2006/relationships" xmlns:p="http://schemas.openxmlformats.org/presentationml/2006/main" type="twoObj" preserve="1">
-  <p:cSld name="Deux contenus">
+  <p:cSld name="Two Content">
     <p:spTree>
       <p:nvGrpSpPr>
         <p:cNvPr id="1" name=""/>
@@ -1131,7 +1134,7 @@
       </p:grpSpPr>
       <p:sp>
         <p:nvSpPr>
-          <p:cNvPr id="2" name="Titre 1"/>
+          <p:cNvPr id="2" name="Title 1"/>
           <p:cNvSpPr>
             <a:spLocks noGrp="1"/>
           </p:cNvSpPr>
@@ -1145,16 +1148,16 @@
           <a:lstStyle/>
           <a:p>
             <a:r>
-              <a:rPr lang="fr-FR" smtClean="0"/>
-              <a:t>Cliquez et modifiez le titre</a:t>
-            </a:r>
-            <a:endParaRPr lang="fr-FR"/>
-          </a:p>
-        </p:txBody>
-      </p:sp>
-      <p:sp>
-        <p:nvSpPr>
-          <p:cNvPr id="3" name="Espace réservé du contenu 2"/>
+              <a:rPr lang="en-US" smtClean="0"/>
+              <a:t>Click to edit Master title style</a:t>
+            </a:r>
+            <a:endParaRPr lang="en-GB"/>
+          </a:p>
+        </p:txBody>
+      </p:sp>
+      <p:sp>
+        <p:nvSpPr>
+          <p:cNvPr id="3" name="Content Placeholder 2"/>
           <p:cNvSpPr>
             <a:spLocks noGrp="1"/>
           </p:cNvSpPr>
@@ -1202,44 +1205,44 @@
           <a:p>
             <a:pPr lvl="0"/>
             <a:r>
-              <a:rPr lang="fr-FR" smtClean="0"/>
-              <a:t>Cliquez pour modifier les styles du texte du masque</a:t>
+              <a:rPr lang="en-US" smtClean="0"/>
+              <a:t>Click to edit Master text styles</a:t>
             </a:r>
           </a:p>
           <a:p>
             <a:pPr lvl="1"/>
             <a:r>
-              <a:rPr lang="fr-FR" smtClean="0"/>
-              <a:t>Deuxième niveau</a:t>
+              <a:rPr lang="en-US" smtClean="0"/>
+              <a:t>Second level</a:t>
             </a:r>
           </a:p>
           <a:p>
             <a:pPr lvl="2"/>
             <a:r>
-              <a:rPr lang="fr-FR" smtClean="0"/>
-              <a:t>Troisième niveau</a:t>
+              <a:rPr lang="en-US" smtClean="0"/>
+              <a:t>Third level</a:t>
             </a:r>
           </a:p>
           <a:p>
             <a:pPr lvl="3"/>
             <a:r>
-              <a:rPr lang="fr-FR" smtClean="0"/>
-              <a:t>Quatrième niveau</a:t>
+              <a:rPr lang="en-US" smtClean="0"/>
+              <a:t>Fourth level</a:t>
             </a:r>
           </a:p>
           <a:p>
             <a:pPr lvl="4"/>
             <a:r>
-              <a:rPr lang="fr-FR" smtClean="0"/>
-              <a:t>Cinquième niveau</a:t>
-            </a:r>
-            <a:endParaRPr lang="fr-FR"/>
-          </a:p>
-        </p:txBody>
-      </p:sp>
-      <p:sp>
-        <p:nvSpPr>
-          <p:cNvPr id="4" name="Espace réservé du contenu 3"/>
+              <a:rPr lang="en-US" smtClean="0"/>
+              <a:t>Fifth level</a:t>
+            </a:r>
+            <a:endParaRPr lang="en-GB"/>
+          </a:p>
+        </p:txBody>
+      </p:sp>
+      <p:sp>
+        <p:nvSpPr>
+          <p:cNvPr id="4" name="Content Placeholder 3"/>
           <p:cNvSpPr>
             <a:spLocks noGrp="1"/>
           </p:cNvSpPr>
@@ -1287,44 +1290,44 @@
           <a:p>
             <a:pPr lvl="0"/>
             <a:r>
-              <a:rPr lang="fr-FR" smtClean="0"/>
-              <a:t>Cliquez pour modifier les styles du texte du masque</a:t>
+              <a:rPr lang="en-US" smtClean="0"/>
+              <a:t>Click to edit Master text styles</a:t>
             </a:r>
           </a:p>
           <a:p>
             <a:pPr lvl="1"/>
             <a:r>
-              <a:rPr lang="fr-FR" smtClean="0"/>
-              <a:t>Deuxième niveau</a:t>
+              <a:rPr lang="en-US" smtClean="0"/>
+              <a:t>Second level</a:t>
             </a:r>
           </a:p>
           <a:p>
             <a:pPr lvl="2"/>
             <a:r>
-              <a:rPr lang="fr-FR" smtClean="0"/>
-              <a:t>Troisième niveau</a:t>
+              <a:rPr lang="en-US" smtClean="0"/>
+              <a:t>Third level</a:t>
             </a:r>
           </a:p>
           <a:p>
             <a:pPr lvl="3"/>
             <a:r>
-              <a:rPr lang="fr-FR" smtClean="0"/>
-              <a:t>Quatrième niveau</a:t>
+              <a:rPr lang="en-US" smtClean="0"/>
+              <a:t>Fourth level</a:t>
             </a:r>
           </a:p>
           <a:p>
             <a:pPr lvl="4"/>
             <a:r>
-              <a:rPr lang="fr-FR" smtClean="0"/>
-              <a:t>Cinquième niveau</a:t>
-            </a:r>
-            <a:endParaRPr lang="fr-FR"/>
-          </a:p>
-        </p:txBody>
-      </p:sp>
-      <p:sp>
-        <p:nvSpPr>
-          <p:cNvPr id="5" name="Espace réservé de la date 4"/>
+              <a:rPr lang="en-US" smtClean="0"/>
+              <a:t>Fifth level</a:t>
+            </a:r>
+            <a:endParaRPr lang="en-GB"/>
+          </a:p>
+        </p:txBody>
+      </p:sp>
+      <p:sp>
+        <p:nvSpPr>
+          <p:cNvPr id="5" name="Date Placeholder 4"/>
           <p:cNvSpPr>
             <a:spLocks noGrp="1"/>
           </p:cNvSpPr>
@@ -1337,17 +1340,17 @@
           <a:bodyPr/>
           <a:lstStyle/>
           <a:p>
-            <a:fld id="{05BC3847-EEEF-4C4E-8432-08ECA26E08C2}" type="datetimeFigureOut">
-              <a:rPr lang="fr-FR" smtClean="0"/>
-              <a:t>30/01/17</a:t>
+            <a:fld id="{E6744CE3-0875-4B69-89C0-6F72D8139561}" type="datetimeFigureOut">
+              <a:rPr lang="en-GB" smtClean="0"/>
+              <a:t>13/02/2017</a:t>
             </a:fld>
-            <a:endParaRPr lang="fr-FR"/>
-          </a:p>
-        </p:txBody>
-      </p:sp>
-      <p:sp>
-        <p:nvSpPr>
-          <p:cNvPr id="6" name="Espace réservé du pied de page 5"/>
+            <a:endParaRPr lang="en-GB"/>
+          </a:p>
+        </p:txBody>
+      </p:sp>
+      <p:sp>
+        <p:nvSpPr>
+          <p:cNvPr id="6" name="Footer Placeholder 5"/>
           <p:cNvSpPr>
             <a:spLocks noGrp="1"/>
           </p:cNvSpPr>
@@ -1360,13 +1363,13 @@
           <a:bodyPr/>
           <a:lstStyle/>
           <a:p>
-            <a:endParaRPr lang="fr-FR"/>
-          </a:p>
-        </p:txBody>
-      </p:sp>
-      <p:sp>
-        <p:nvSpPr>
-          <p:cNvPr id="7" name="Espace réservé du numéro de diapositive 6"/>
+            <a:endParaRPr lang="en-GB"/>
+          </a:p>
+        </p:txBody>
+      </p:sp>
+      <p:sp>
+        <p:nvSpPr>
+          <p:cNvPr id="7" name="Slide Number Placeholder 6"/>
           <p:cNvSpPr>
             <a:spLocks noGrp="1"/>
           </p:cNvSpPr>
@@ -1379,18 +1382,18 @@
           <a:bodyPr/>
           <a:lstStyle/>
           <a:p>
-            <a:fld id="{450B7CEA-298C-E947-AA82-87C5CD1A8865}" type="slidenum">
-              <a:rPr lang="fr-FR" smtClean="0"/>
+            <a:fld id="{8DADB20D-508E-4C6D-A9E4-257D5607B0F6}" type="slidenum">
+              <a:rPr lang="en-GB" smtClean="0"/>
               <a:t>‹#›</a:t>
             </a:fld>
-            <a:endParaRPr lang="fr-FR"/>
+            <a:endParaRPr lang="en-GB"/>
           </a:p>
         </p:txBody>
       </p:sp>
     </p:spTree>
     <p:extLst>
       <p:ext uri="{BB962C8B-B14F-4D97-AF65-F5344CB8AC3E}">
-        <p14:creationId xmlns:p14="http://schemas.microsoft.com/office/powerpoint/2010/main" val="3105297926"/>
+        <p14:creationId xmlns:p14="http://schemas.microsoft.com/office/powerpoint/2010/main" val="468392282"/>
       </p:ext>
     </p:extLst>
   </p:cSld>
@@ -1402,7 +1405,7 @@
 
 <file path=ppt/slideLayouts/slideLayout5.xml><?xml version="1.0" encoding="utf-8"?>
 <p:sldLayout xmlns:a="http://schemas.openxmlformats.org/drawingml/2006/main" xmlns:r="http://schemas.openxmlformats.org/officeDocument/2006/relationships" xmlns:p="http://schemas.openxmlformats.org/presentationml/2006/main" type="twoTxTwoObj" preserve="1">
-  <p:cSld name="Comparaison">
+  <p:cSld name="Comparison">
     <p:spTree>
       <p:nvGrpSpPr>
         <p:cNvPr id="1" name=""/>
@@ -1419,7 +1422,7 @@
       </p:grpSpPr>
       <p:sp>
         <p:nvSpPr>
-          <p:cNvPr id="2" name="Titre 1"/>
+          <p:cNvPr id="2" name="Title 1"/>
           <p:cNvSpPr>
             <a:spLocks noGrp="1"/>
           </p:cNvSpPr>
@@ -1437,16 +1440,16 @@
           </a:lstStyle>
           <a:p>
             <a:r>
-              <a:rPr lang="fr-FR" smtClean="0"/>
-              <a:t>Cliquez et modifiez le titre</a:t>
-            </a:r>
-            <a:endParaRPr lang="fr-FR"/>
-          </a:p>
-        </p:txBody>
-      </p:sp>
-      <p:sp>
-        <p:nvSpPr>
-          <p:cNvPr id="3" name="Espace réservé du texte 2"/>
+              <a:rPr lang="en-US" smtClean="0"/>
+              <a:t>Click to edit Master title style</a:t>
+            </a:r>
+            <a:endParaRPr lang="en-GB"/>
+          </a:p>
+        </p:txBody>
+      </p:sp>
+      <p:sp>
+        <p:nvSpPr>
+          <p:cNvPr id="3" name="Text Placeholder 2"/>
           <p:cNvSpPr>
             <a:spLocks noGrp="1"/>
           </p:cNvSpPr>
@@ -1503,15 +1506,15 @@
           <a:p>
             <a:pPr lvl="0"/>
             <a:r>
-              <a:rPr lang="fr-FR" smtClean="0"/>
-              <a:t>Cliquez pour modifier les styles du texte du masque</a:t>
-            </a:r>
-          </a:p>
-        </p:txBody>
-      </p:sp>
-      <p:sp>
-        <p:nvSpPr>
-          <p:cNvPr id="4" name="Espace réservé du contenu 3"/>
+              <a:rPr lang="en-US" smtClean="0"/>
+              <a:t>Click to edit Master text styles</a:t>
+            </a:r>
+          </a:p>
+        </p:txBody>
+      </p:sp>
+      <p:sp>
+        <p:nvSpPr>
+          <p:cNvPr id="4" name="Content Placeholder 3"/>
           <p:cNvSpPr>
             <a:spLocks noGrp="1"/>
           </p:cNvSpPr>
@@ -1559,44 +1562,44 @@
           <a:p>
             <a:pPr lvl="0"/>
             <a:r>
-              <a:rPr lang="fr-FR" smtClean="0"/>
-              <a:t>Cliquez pour modifier les styles du texte du masque</a:t>
+              <a:rPr lang="en-US" smtClean="0"/>
+              <a:t>Click to edit Master text styles</a:t>
             </a:r>
           </a:p>
           <a:p>
             <a:pPr lvl="1"/>
             <a:r>
-              <a:rPr lang="fr-FR" smtClean="0"/>
-              <a:t>Deuxième niveau</a:t>
+              <a:rPr lang="en-US" smtClean="0"/>
+              <a:t>Second level</a:t>
             </a:r>
           </a:p>
           <a:p>
             <a:pPr lvl="2"/>
             <a:r>
-              <a:rPr lang="fr-FR" smtClean="0"/>
-              <a:t>Troisième niveau</a:t>
+              <a:rPr lang="en-US" smtClean="0"/>
+              <a:t>Third level</a:t>
             </a:r>
           </a:p>
           <a:p>
             <a:pPr lvl="3"/>
             <a:r>
-              <a:rPr lang="fr-FR" smtClean="0"/>
-              <a:t>Quatrième niveau</a:t>
+              <a:rPr lang="en-US" smtClean="0"/>
+              <a:t>Fourth level</a:t>
             </a:r>
           </a:p>
           <a:p>
             <a:pPr lvl="4"/>
             <a:r>
-              <a:rPr lang="fr-FR" smtClean="0"/>
-              <a:t>Cinquième niveau</a:t>
-            </a:r>
-            <a:endParaRPr lang="fr-FR"/>
-          </a:p>
-        </p:txBody>
-      </p:sp>
-      <p:sp>
-        <p:nvSpPr>
-          <p:cNvPr id="5" name="Espace réservé du texte 4"/>
+              <a:rPr lang="en-US" smtClean="0"/>
+              <a:t>Fifth level</a:t>
+            </a:r>
+            <a:endParaRPr lang="en-GB"/>
+          </a:p>
+        </p:txBody>
+      </p:sp>
+      <p:sp>
+        <p:nvSpPr>
+          <p:cNvPr id="5" name="Text Placeholder 4"/>
           <p:cNvSpPr>
             <a:spLocks noGrp="1"/>
           </p:cNvSpPr>
@@ -1653,15 +1656,15 @@
           <a:p>
             <a:pPr lvl="0"/>
             <a:r>
-              <a:rPr lang="fr-FR" smtClean="0"/>
-              <a:t>Cliquez pour modifier les styles du texte du masque</a:t>
-            </a:r>
-          </a:p>
-        </p:txBody>
-      </p:sp>
-      <p:sp>
-        <p:nvSpPr>
-          <p:cNvPr id="6" name="Espace réservé du contenu 5"/>
+              <a:rPr lang="en-US" smtClean="0"/>
+              <a:t>Click to edit Master text styles</a:t>
+            </a:r>
+          </a:p>
+        </p:txBody>
+      </p:sp>
+      <p:sp>
+        <p:nvSpPr>
+          <p:cNvPr id="6" name="Content Placeholder 5"/>
           <p:cNvSpPr>
             <a:spLocks noGrp="1"/>
           </p:cNvSpPr>
@@ -1709,44 +1712,44 @@
           <a:p>
             <a:pPr lvl="0"/>
             <a:r>
-              <a:rPr lang="fr-FR" smtClean="0"/>
-              <a:t>Cliquez pour modifier les styles du texte du masque</a:t>
+              <a:rPr lang="en-US" smtClean="0"/>
+              <a:t>Click to edit Master text styles</a:t>
             </a:r>
           </a:p>
           <a:p>
             <a:pPr lvl="1"/>
             <a:r>
-              <a:rPr lang="fr-FR" smtClean="0"/>
-              <a:t>Deuxième niveau</a:t>
+              <a:rPr lang="en-US" smtClean="0"/>
+              <a:t>Second level</a:t>
             </a:r>
           </a:p>
           <a:p>
             <a:pPr lvl="2"/>
             <a:r>
-              <a:rPr lang="fr-FR" smtClean="0"/>
-              <a:t>Troisième niveau</a:t>
+              <a:rPr lang="en-US" smtClean="0"/>
+              <a:t>Third level</a:t>
             </a:r>
           </a:p>
           <a:p>
             <a:pPr lvl="3"/>
             <a:r>
-              <a:rPr lang="fr-FR" smtClean="0"/>
-              <a:t>Quatrième niveau</a:t>
+              <a:rPr lang="en-US" smtClean="0"/>
+              <a:t>Fourth level</a:t>
             </a:r>
           </a:p>
           <a:p>
             <a:pPr lvl="4"/>
             <a:r>
-              <a:rPr lang="fr-FR" smtClean="0"/>
-              <a:t>Cinquième niveau</a:t>
-            </a:r>
-            <a:endParaRPr lang="fr-FR"/>
-          </a:p>
-        </p:txBody>
-      </p:sp>
-      <p:sp>
-        <p:nvSpPr>
-          <p:cNvPr id="7" name="Espace réservé de la date 6"/>
+              <a:rPr lang="en-US" smtClean="0"/>
+              <a:t>Fifth level</a:t>
+            </a:r>
+            <a:endParaRPr lang="en-GB"/>
+          </a:p>
+        </p:txBody>
+      </p:sp>
+      <p:sp>
+        <p:nvSpPr>
+          <p:cNvPr id="7" name="Date Placeholder 6"/>
           <p:cNvSpPr>
             <a:spLocks noGrp="1"/>
           </p:cNvSpPr>
@@ -1759,17 +1762,17 @@
           <a:bodyPr/>
           <a:lstStyle/>
           <a:p>
-            <a:fld id="{05BC3847-EEEF-4C4E-8432-08ECA26E08C2}" type="datetimeFigureOut">
-              <a:rPr lang="fr-FR" smtClean="0"/>
-              <a:t>30/01/17</a:t>
+            <a:fld id="{E6744CE3-0875-4B69-89C0-6F72D8139561}" type="datetimeFigureOut">
+              <a:rPr lang="en-GB" smtClean="0"/>
+              <a:t>13/02/2017</a:t>
             </a:fld>
-            <a:endParaRPr lang="fr-FR"/>
-          </a:p>
-        </p:txBody>
-      </p:sp>
-      <p:sp>
-        <p:nvSpPr>
-          <p:cNvPr id="8" name="Espace réservé du pied de page 7"/>
+            <a:endParaRPr lang="en-GB"/>
+          </a:p>
+        </p:txBody>
+      </p:sp>
+      <p:sp>
+        <p:nvSpPr>
+          <p:cNvPr id="8" name="Footer Placeholder 7"/>
           <p:cNvSpPr>
             <a:spLocks noGrp="1"/>
           </p:cNvSpPr>
@@ -1782,13 +1785,13 @@
           <a:bodyPr/>
           <a:lstStyle/>
           <a:p>
-            <a:endParaRPr lang="fr-FR"/>
-          </a:p>
-        </p:txBody>
-      </p:sp>
-      <p:sp>
-        <p:nvSpPr>
-          <p:cNvPr id="9" name="Espace réservé du numéro de diapositive 8"/>
+            <a:endParaRPr lang="en-GB"/>
+          </a:p>
+        </p:txBody>
+      </p:sp>
+      <p:sp>
+        <p:nvSpPr>
+          <p:cNvPr id="9" name="Slide Number Placeholder 8"/>
           <p:cNvSpPr>
             <a:spLocks noGrp="1"/>
           </p:cNvSpPr>
@@ -1801,18 +1804,18 @@
           <a:bodyPr/>
           <a:lstStyle/>
           <a:p>
-            <a:fld id="{450B7CEA-298C-E947-AA82-87C5CD1A8865}" type="slidenum">
-              <a:rPr lang="fr-FR" smtClean="0"/>
+            <a:fld id="{8DADB20D-508E-4C6D-A9E4-257D5607B0F6}" type="slidenum">
+              <a:rPr lang="en-GB" smtClean="0"/>
               <a:t>‹#›</a:t>
             </a:fld>
-            <a:endParaRPr lang="fr-FR"/>
+            <a:endParaRPr lang="en-GB"/>
           </a:p>
         </p:txBody>
       </p:sp>
     </p:spTree>
     <p:extLst>
       <p:ext uri="{BB962C8B-B14F-4D97-AF65-F5344CB8AC3E}">
-        <p14:creationId xmlns:p14="http://schemas.microsoft.com/office/powerpoint/2010/main" val="1504687298"/>
+        <p14:creationId xmlns:p14="http://schemas.microsoft.com/office/powerpoint/2010/main" val="2120349123"/>
       </p:ext>
     </p:extLst>
   </p:cSld>
@@ -1824,7 +1827,7 @@
 
 <file path=ppt/slideLayouts/slideLayout6.xml><?xml version="1.0" encoding="utf-8"?>
 <p:sldLayout xmlns:a="http://schemas.openxmlformats.org/drawingml/2006/main" xmlns:r="http://schemas.openxmlformats.org/officeDocument/2006/relationships" xmlns:p="http://schemas.openxmlformats.org/presentationml/2006/main" type="titleOnly" preserve="1">
-  <p:cSld name="Titre seul">
+  <p:cSld name="Title Only">
     <p:spTree>
       <p:nvGrpSpPr>
         <p:cNvPr id="1" name=""/>
@@ -1841,7 +1844,7 @@
       </p:grpSpPr>
       <p:sp>
         <p:nvSpPr>
-          <p:cNvPr id="2" name="Titre 1"/>
+          <p:cNvPr id="2" name="Title 1"/>
           <p:cNvSpPr>
             <a:spLocks noGrp="1"/>
           </p:cNvSpPr>
@@ -1855,16 +1858,16 @@
           <a:lstStyle/>
           <a:p>
             <a:r>
-              <a:rPr lang="fr-FR" smtClean="0"/>
-              <a:t>Cliquez et modifiez le titre</a:t>
-            </a:r>
-            <a:endParaRPr lang="fr-FR"/>
-          </a:p>
-        </p:txBody>
-      </p:sp>
-      <p:sp>
-        <p:nvSpPr>
-          <p:cNvPr id="3" name="Espace réservé de la date 2"/>
+              <a:rPr lang="en-US" smtClean="0"/>
+              <a:t>Click to edit Master title style</a:t>
+            </a:r>
+            <a:endParaRPr lang="en-GB"/>
+          </a:p>
+        </p:txBody>
+      </p:sp>
+      <p:sp>
+        <p:nvSpPr>
+          <p:cNvPr id="3" name="Date Placeholder 2"/>
           <p:cNvSpPr>
             <a:spLocks noGrp="1"/>
           </p:cNvSpPr>
@@ -1877,17 +1880,17 @@
           <a:bodyPr/>
           <a:lstStyle/>
           <a:p>
-            <a:fld id="{05BC3847-EEEF-4C4E-8432-08ECA26E08C2}" type="datetimeFigureOut">
-              <a:rPr lang="fr-FR" smtClean="0"/>
-              <a:t>30/01/17</a:t>
+            <a:fld id="{E6744CE3-0875-4B69-89C0-6F72D8139561}" type="datetimeFigureOut">
+              <a:rPr lang="en-GB" smtClean="0"/>
+              <a:t>13/02/2017</a:t>
             </a:fld>
-            <a:endParaRPr lang="fr-FR"/>
-          </a:p>
-        </p:txBody>
-      </p:sp>
-      <p:sp>
-        <p:nvSpPr>
-          <p:cNvPr id="4" name="Espace réservé du pied de page 3"/>
+            <a:endParaRPr lang="en-GB"/>
+          </a:p>
+        </p:txBody>
+      </p:sp>
+      <p:sp>
+        <p:nvSpPr>
+          <p:cNvPr id="4" name="Footer Placeholder 3"/>
           <p:cNvSpPr>
             <a:spLocks noGrp="1"/>
           </p:cNvSpPr>
@@ -1900,13 +1903,13 @@
           <a:bodyPr/>
           <a:lstStyle/>
           <a:p>
-            <a:endParaRPr lang="fr-FR"/>
-          </a:p>
-        </p:txBody>
-      </p:sp>
-      <p:sp>
-        <p:nvSpPr>
-          <p:cNvPr id="5" name="Espace réservé du numéro de diapositive 4"/>
+            <a:endParaRPr lang="en-GB"/>
+          </a:p>
+        </p:txBody>
+      </p:sp>
+      <p:sp>
+        <p:nvSpPr>
+          <p:cNvPr id="5" name="Slide Number Placeholder 4"/>
           <p:cNvSpPr>
             <a:spLocks noGrp="1"/>
           </p:cNvSpPr>
@@ -1919,18 +1922,18 @@
           <a:bodyPr/>
           <a:lstStyle/>
           <a:p>
-            <a:fld id="{450B7CEA-298C-E947-AA82-87C5CD1A8865}" type="slidenum">
-              <a:rPr lang="fr-FR" smtClean="0"/>
+            <a:fld id="{8DADB20D-508E-4C6D-A9E4-257D5607B0F6}" type="slidenum">
+              <a:rPr lang="en-GB" smtClean="0"/>
               <a:t>‹#›</a:t>
             </a:fld>
-            <a:endParaRPr lang="fr-FR"/>
+            <a:endParaRPr lang="en-GB"/>
           </a:p>
         </p:txBody>
       </p:sp>
     </p:spTree>
     <p:extLst>
       <p:ext uri="{BB962C8B-B14F-4D97-AF65-F5344CB8AC3E}">
-        <p14:creationId xmlns:p14="http://schemas.microsoft.com/office/powerpoint/2010/main" val="1500226589"/>
+        <p14:creationId xmlns:p14="http://schemas.microsoft.com/office/powerpoint/2010/main" val="1385807973"/>
       </p:ext>
     </p:extLst>
   </p:cSld>
@@ -1942,7 +1945,7 @@
 
 <file path=ppt/slideLayouts/slideLayout7.xml><?xml version="1.0" encoding="utf-8"?>
 <p:sldLayout xmlns:a="http://schemas.openxmlformats.org/drawingml/2006/main" xmlns:r="http://schemas.openxmlformats.org/officeDocument/2006/relationships" xmlns:p="http://schemas.openxmlformats.org/presentationml/2006/main" type="blank" preserve="1">
-  <p:cSld name="Vide">
+  <p:cSld name="Blank">
     <p:spTree>
       <p:nvGrpSpPr>
         <p:cNvPr id="1" name=""/>
@@ -1959,7 +1962,7 @@
       </p:grpSpPr>
       <p:sp>
         <p:nvSpPr>
-          <p:cNvPr id="2" name="Espace réservé de la date 1"/>
+          <p:cNvPr id="2" name="Date Placeholder 1"/>
           <p:cNvSpPr>
             <a:spLocks noGrp="1"/>
           </p:cNvSpPr>
@@ -1972,17 +1975,17 @@
           <a:bodyPr/>
           <a:lstStyle/>
           <a:p>
-            <a:fld id="{05BC3847-EEEF-4C4E-8432-08ECA26E08C2}" type="datetimeFigureOut">
-              <a:rPr lang="fr-FR" smtClean="0"/>
-              <a:t>30/01/17</a:t>
+            <a:fld id="{E6744CE3-0875-4B69-89C0-6F72D8139561}" type="datetimeFigureOut">
+              <a:rPr lang="en-GB" smtClean="0"/>
+              <a:t>13/02/2017</a:t>
             </a:fld>
-            <a:endParaRPr lang="fr-FR"/>
-          </a:p>
-        </p:txBody>
-      </p:sp>
-      <p:sp>
-        <p:nvSpPr>
-          <p:cNvPr id="3" name="Espace réservé du pied de page 2"/>
+            <a:endParaRPr lang="en-GB"/>
+          </a:p>
+        </p:txBody>
+      </p:sp>
+      <p:sp>
+        <p:nvSpPr>
+          <p:cNvPr id="3" name="Footer Placeholder 2"/>
           <p:cNvSpPr>
             <a:spLocks noGrp="1"/>
           </p:cNvSpPr>
@@ -1995,13 +1998,13 @@
           <a:bodyPr/>
           <a:lstStyle/>
           <a:p>
-            <a:endParaRPr lang="fr-FR"/>
-          </a:p>
-        </p:txBody>
-      </p:sp>
-      <p:sp>
-        <p:nvSpPr>
-          <p:cNvPr id="4" name="Espace réservé du numéro de diapositive 3"/>
+            <a:endParaRPr lang="en-GB"/>
+          </a:p>
+        </p:txBody>
+      </p:sp>
+      <p:sp>
+        <p:nvSpPr>
+          <p:cNvPr id="4" name="Slide Number Placeholder 3"/>
           <p:cNvSpPr>
             <a:spLocks noGrp="1"/>
           </p:cNvSpPr>
@@ -2014,18 +2017,18 @@
           <a:bodyPr/>
           <a:lstStyle/>
           <a:p>
-            <a:fld id="{450B7CEA-298C-E947-AA82-87C5CD1A8865}" type="slidenum">
-              <a:rPr lang="fr-FR" smtClean="0"/>
+            <a:fld id="{8DADB20D-508E-4C6D-A9E4-257D5607B0F6}" type="slidenum">
+              <a:rPr lang="en-GB" smtClean="0"/>
               <a:t>‹#›</a:t>
             </a:fld>
-            <a:endParaRPr lang="fr-FR"/>
+            <a:endParaRPr lang="en-GB"/>
           </a:p>
         </p:txBody>
       </p:sp>
     </p:spTree>
     <p:extLst>
       <p:ext uri="{BB962C8B-B14F-4D97-AF65-F5344CB8AC3E}">
-        <p14:creationId xmlns:p14="http://schemas.microsoft.com/office/powerpoint/2010/main" val="4080766123"/>
+        <p14:creationId xmlns:p14="http://schemas.microsoft.com/office/powerpoint/2010/main" val="2755996059"/>
       </p:ext>
     </p:extLst>
   </p:cSld>
@@ -2037,7 +2040,7 @@
 
 <file path=ppt/slideLayouts/slideLayout8.xml><?xml version="1.0" encoding="utf-8"?>
 <p:sldLayout xmlns:a="http://schemas.openxmlformats.org/drawingml/2006/main" xmlns:r="http://schemas.openxmlformats.org/officeDocument/2006/relationships" xmlns:p="http://schemas.openxmlformats.org/presentationml/2006/main" type="objTx" preserve="1">
-  <p:cSld name="Contenu avec légende">
+  <p:cSld name="Content with Caption">
     <p:spTree>
       <p:nvGrpSpPr>
         <p:cNvPr id="1" name=""/>
@@ -2054,7 +2057,7 @@
       </p:grpSpPr>
       <p:sp>
         <p:nvSpPr>
-          <p:cNvPr id="2" name="Titre 1"/>
+          <p:cNvPr id="2" name="Title 1"/>
           <p:cNvSpPr>
             <a:spLocks noGrp="1"/>
           </p:cNvSpPr>
@@ -2077,16 +2080,16 @@
           </a:lstStyle>
           <a:p>
             <a:r>
-              <a:rPr lang="fr-FR" smtClean="0"/>
-              <a:t>Cliquez et modifiez le titre</a:t>
-            </a:r>
-            <a:endParaRPr lang="fr-FR"/>
-          </a:p>
-        </p:txBody>
-      </p:sp>
-      <p:sp>
-        <p:nvSpPr>
-          <p:cNvPr id="3" name="Espace réservé du contenu 2"/>
+              <a:rPr lang="en-US" smtClean="0"/>
+              <a:t>Click to edit Master title style</a:t>
+            </a:r>
+            <a:endParaRPr lang="en-GB"/>
+          </a:p>
+        </p:txBody>
+      </p:sp>
+      <p:sp>
+        <p:nvSpPr>
+          <p:cNvPr id="3" name="Content Placeholder 2"/>
           <p:cNvSpPr>
             <a:spLocks noGrp="1"/>
           </p:cNvSpPr>
@@ -2134,44 +2137,44 @@
           <a:p>
             <a:pPr lvl="0"/>
             <a:r>
-              <a:rPr lang="fr-FR" smtClean="0"/>
-              <a:t>Cliquez pour modifier les styles du texte du masque</a:t>
+              <a:rPr lang="en-US" smtClean="0"/>
+              <a:t>Click to edit Master text styles</a:t>
             </a:r>
           </a:p>
           <a:p>
             <a:pPr lvl="1"/>
             <a:r>
-              <a:rPr lang="fr-FR" smtClean="0"/>
-              <a:t>Deuxième niveau</a:t>
+              <a:rPr lang="en-US" smtClean="0"/>
+              <a:t>Second level</a:t>
             </a:r>
           </a:p>
           <a:p>
             <a:pPr lvl="2"/>
             <a:r>
-              <a:rPr lang="fr-FR" smtClean="0"/>
-              <a:t>Troisième niveau</a:t>
+              <a:rPr lang="en-US" smtClean="0"/>
+              <a:t>Third level</a:t>
             </a:r>
           </a:p>
           <a:p>
             <a:pPr lvl="3"/>
             <a:r>
-              <a:rPr lang="fr-FR" smtClean="0"/>
-              <a:t>Quatrième niveau</a:t>
+              <a:rPr lang="en-US" smtClean="0"/>
+              <a:t>Fourth level</a:t>
             </a:r>
           </a:p>
           <a:p>
             <a:pPr lvl="4"/>
             <a:r>
-              <a:rPr lang="fr-FR" smtClean="0"/>
-              <a:t>Cinquième niveau</a:t>
-            </a:r>
-            <a:endParaRPr lang="fr-FR"/>
-          </a:p>
-        </p:txBody>
-      </p:sp>
-      <p:sp>
-        <p:nvSpPr>
-          <p:cNvPr id="4" name="Espace réservé du texte 3"/>
+              <a:rPr lang="en-US" smtClean="0"/>
+              <a:t>Fifth level</a:t>
+            </a:r>
+            <a:endParaRPr lang="en-GB"/>
+          </a:p>
+        </p:txBody>
+      </p:sp>
+      <p:sp>
+        <p:nvSpPr>
+          <p:cNvPr id="4" name="Text Placeholder 3"/>
           <p:cNvSpPr>
             <a:spLocks noGrp="1"/>
           </p:cNvSpPr>
@@ -2228,15 +2231,15 @@
           <a:p>
             <a:pPr lvl="0"/>
             <a:r>
-              <a:rPr lang="fr-FR" smtClean="0"/>
-              <a:t>Cliquez pour modifier les styles du texte du masque</a:t>
-            </a:r>
-          </a:p>
-        </p:txBody>
-      </p:sp>
-      <p:sp>
-        <p:nvSpPr>
-          <p:cNvPr id="5" name="Espace réservé de la date 4"/>
+              <a:rPr lang="en-US" smtClean="0"/>
+              <a:t>Click to edit Master text styles</a:t>
+            </a:r>
+          </a:p>
+        </p:txBody>
+      </p:sp>
+      <p:sp>
+        <p:nvSpPr>
+          <p:cNvPr id="5" name="Date Placeholder 4"/>
           <p:cNvSpPr>
             <a:spLocks noGrp="1"/>
           </p:cNvSpPr>
@@ -2249,17 +2252,17 @@
           <a:bodyPr/>
           <a:lstStyle/>
           <a:p>
-            <a:fld id="{05BC3847-EEEF-4C4E-8432-08ECA26E08C2}" type="datetimeFigureOut">
-              <a:rPr lang="fr-FR" smtClean="0"/>
-              <a:t>30/01/17</a:t>
+            <a:fld id="{E6744CE3-0875-4B69-89C0-6F72D8139561}" type="datetimeFigureOut">
+              <a:rPr lang="en-GB" smtClean="0"/>
+              <a:t>13/02/2017</a:t>
             </a:fld>
-            <a:endParaRPr lang="fr-FR"/>
-          </a:p>
-        </p:txBody>
-      </p:sp>
-      <p:sp>
-        <p:nvSpPr>
-          <p:cNvPr id="6" name="Espace réservé du pied de page 5"/>
+            <a:endParaRPr lang="en-GB"/>
+          </a:p>
+        </p:txBody>
+      </p:sp>
+      <p:sp>
+        <p:nvSpPr>
+          <p:cNvPr id="6" name="Footer Placeholder 5"/>
           <p:cNvSpPr>
             <a:spLocks noGrp="1"/>
           </p:cNvSpPr>
@@ -2272,13 +2275,13 @@
           <a:bodyPr/>
           <a:lstStyle/>
           <a:p>
-            <a:endParaRPr lang="fr-FR"/>
-          </a:p>
-        </p:txBody>
-      </p:sp>
-      <p:sp>
-        <p:nvSpPr>
-          <p:cNvPr id="7" name="Espace réservé du numéro de diapositive 6"/>
+            <a:endParaRPr lang="en-GB"/>
+          </a:p>
+        </p:txBody>
+      </p:sp>
+      <p:sp>
+        <p:nvSpPr>
+          <p:cNvPr id="7" name="Slide Number Placeholder 6"/>
           <p:cNvSpPr>
             <a:spLocks noGrp="1"/>
           </p:cNvSpPr>
@@ -2291,18 +2294,18 @@
           <a:bodyPr/>
           <a:lstStyle/>
           <a:p>
-            <a:fld id="{450B7CEA-298C-E947-AA82-87C5CD1A8865}" type="slidenum">
-              <a:rPr lang="fr-FR" smtClean="0"/>
+            <a:fld id="{8DADB20D-508E-4C6D-A9E4-257D5607B0F6}" type="slidenum">
+              <a:rPr lang="en-GB" smtClean="0"/>
               <a:t>‹#›</a:t>
             </a:fld>
-            <a:endParaRPr lang="fr-FR"/>
+            <a:endParaRPr lang="en-GB"/>
           </a:p>
         </p:txBody>
       </p:sp>
     </p:spTree>
     <p:extLst>
       <p:ext uri="{BB962C8B-B14F-4D97-AF65-F5344CB8AC3E}">
-        <p14:creationId xmlns:p14="http://schemas.microsoft.com/office/powerpoint/2010/main" val="2412194840"/>
+        <p14:creationId xmlns:p14="http://schemas.microsoft.com/office/powerpoint/2010/main" val="1660925281"/>
       </p:ext>
     </p:extLst>
   </p:cSld>
@@ -2314,7 +2317,7 @@
 
 <file path=ppt/slideLayouts/slideLayout9.xml><?xml version="1.0" encoding="utf-8"?>
 <p:sldLayout xmlns:a="http://schemas.openxmlformats.org/drawingml/2006/main" xmlns:r="http://schemas.openxmlformats.org/officeDocument/2006/relationships" xmlns:p="http://schemas.openxmlformats.org/presentationml/2006/main" type="picTx" preserve="1">
-  <p:cSld name="Image avec légende">
+  <p:cSld name="Picture with Caption">
     <p:spTree>
       <p:nvGrpSpPr>
         <p:cNvPr id="1" name=""/>
@@ -2331,7 +2334,7 @@
       </p:grpSpPr>
       <p:sp>
         <p:nvSpPr>
-          <p:cNvPr id="2" name="Titre 1"/>
+          <p:cNvPr id="2" name="Title 1"/>
           <p:cNvSpPr>
             <a:spLocks noGrp="1"/>
           </p:cNvSpPr>
@@ -2354,16 +2357,16 @@
           </a:lstStyle>
           <a:p>
             <a:r>
-              <a:rPr lang="fr-FR" smtClean="0"/>
-              <a:t>Cliquez et modifiez le titre</a:t>
-            </a:r>
-            <a:endParaRPr lang="fr-FR"/>
-          </a:p>
-        </p:txBody>
-      </p:sp>
-      <p:sp>
-        <p:nvSpPr>
-          <p:cNvPr id="3" name="Espace réservé pour une image  2"/>
+              <a:rPr lang="en-US" smtClean="0"/>
+              <a:t>Click to edit Master title style</a:t>
+            </a:r>
+            <a:endParaRPr lang="en-GB"/>
+          </a:p>
+        </p:txBody>
+      </p:sp>
+      <p:sp>
+        <p:nvSpPr>
+          <p:cNvPr id="3" name="Picture Placeholder 2"/>
           <p:cNvSpPr>
             <a:spLocks noGrp="1"/>
           </p:cNvSpPr>
@@ -2418,13 +2421,13 @@
             </a:lvl9pPr>
           </a:lstStyle>
           <a:p>
-            <a:endParaRPr lang="fr-FR"/>
-          </a:p>
-        </p:txBody>
-      </p:sp>
-      <p:sp>
-        <p:nvSpPr>
-          <p:cNvPr id="4" name="Espace réservé du texte 3"/>
+            <a:endParaRPr lang="en-GB"/>
+          </a:p>
+        </p:txBody>
+      </p:sp>
+      <p:sp>
+        <p:nvSpPr>
+          <p:cNvPr id="4" name="Text Placeholder 3"/>
           <p:cNvSpPr>
             <a:spLocks noGrp="1"/>
           </p:cNvSpPr>
@@ -2481,15 +2484,15 @@
           <a:p>
             <a:pPr lvl="0"/>
             <a:r>
-              <a:rPr lang="fr-FR" smtClean="0"/>
-              <a:t>Cliquez pour modifier les styles du texte du masque</a:t>
-            </a:r>
-          </a:p>
-        </p:txBody>
-      </p:sp>
-      <p:sp>
-        <p:nvSpPr>
-          <p:cNvPr id="5" name="Espace réservé de la date 4"/>
+              <a:rPr lang="en-US" smtClean="0"/>
+              <a:t>Click to edit Master text styles</a:t>
+            </a:r>
+          </a:p>
+        </p:txBody>
+      </p:sp>
+      <p:sp>
+        <p:nvSpPr>
+          <p:cNvPr id="5" name="Date Placeholder 4"/>
           <p:cNvSpPr>
             <a:spLocks noGrp="1"/>
           </p:cNvSpPr>
@@ -2502,17 +2505,17 @@
           <a:bodyPr/>
           <a:lstStyle/>
           <a:p>
-            <a:fld id="{05BC3847-EEEF-4C4E-8432-08ECA26E08C2}" type="datetimeFigureOut">
-              <a:rPr lang="fr-FR" smtClean="0"/>
-              <a:t>30/01/17</a:t>
+            <a:fld id="{E6744CE3-0875-4B69-89C0-6F72D8139561}" type="datetimeFigureOut">
+              <a:rPr lang="en-GB" smtClean="0"/>
+              <a:t>13/02/2017</a:t>
             </a:fld>
-            <a:endParaRPr lang="fr-FR"/>
-          </a:p>
-        </p:txBody>
-      </p:sp>
-      <p:sp>
-        <p:nvSpPr>
-          <p:cNvPr id="6" name="Espace réservé du pied de page 5"/>
+            <a:endParaRPr lang="en-GB"/>
+          </a:p>
+        </p:txBody>
+      </p:sp>
+      <p:sp>
+        <p:nvSpPr>
+          <p:cNvPr id="6" name="Footer Placeholder 5"/>
           <p:cNvSpPr>
             <a:spLocks noGrp="1"/>
           </p:cNvSpPr>
@@ -2525,13 +2528,13 @@
           <a:bodyPr/>
           <a:lstStyle/>
           <a:p>
-            <a:endParaRPr lang="fr-FR"/>
-          </a:p>
-        </p:txBody>
-      </p:sp>
-      <p:sp>
-        <p:nvSpPr>
-          <p:cNvPr id="7" name="Espace réservé du numéro de diapositive 6"/>
+            <a:endParaRPr lang="en-GB"/>
+          </a:p>
+        </p:txBody>
+      </p:sp>
+      <p:sp>
+        <p:nvSpPr>
+          <p:cNvPr id="7" name="Slide Number Placeholder 6"/>
           <p:cNvSpPr>
             <a:spLocks noGrp="1"/>
           </p:cNvSpPr>
@@ -2544,18 +2547,18 @@
           <a:bodyPr/>
           <a:lstStyle/>
           <a:p>
-            <a:fld id="{450B7CEA-298C-E947-AA82-87C5CD1A8865}" type="slidenum">
-              <a:rPr lang="fr-FR" smtClean="0"/>
+            <a:fld id="{8DADB20D-508E-4C6D-A9E4-257D5607B0F6}" type="slidenum">
+              <a:rPr lang="en-GB" smtClean="0"/>
               <a:t>‹#›</a:t>
             </a:fld>
-            <a:endParaRPr lang="fr-FR"/>
+            <a:endParaRPr lang="en-GB"/>
           </a:p>
         </p:txBody>
       </p:sp>
     </p:spTree>
     <p:extLst>
       <p:ext uri="{BB962C8B-B14F-4D97-AF65-F5344CB8AC3E}">
-        <p14:creationId xmlns:p14="http://schemas.microsoft.com/office/powerpoint/2010/main" val="1954572809"/>
+        <p14:creationId xmlns:p14="http://schemas.microsoft.com/office/powerpoint/2010/main" val="4205470707"/>
       </p:ext>
     </p:extLst>
   </p:cSld>
@@ -2589,7 +2592,7 @@
       </p:grpSpPr>
       <p:sp>
         <p:nvSpPr>
-          <p:cNvPr id="2" name="Espace réservé du titre 1"/>
+          <p:cNvPr id="2" name="Title Placeholder 1"/>
           <p:cNvSpPr>
             <a:spLocks noGrp="1"/>
           </p:cNvSpPr>
@@ -2613,16 +2616,16 @@
           <a:lstStyle/>
           <a:p>
             <a:r>
-              <a:rPr lang="fr-FR" smtClean="0"/>
-              <a:t>Cliquez et modifiez le titre</a:t>
-            </a:r>
-            <a:endParaRPr lang="fr-FR"/>
-          </a:p>
-        </p:txBody>
-      </p:sp>
-      <p:sp>
-        <p:nvSpPr>
-          <p:cNvPr id="3" name="Espace réservé du texte 2"/>
+              <a:rPr lang="en-US" smtClean="0"/>
+              <a:t>Click to edit Master title style</a:t>
+            </a:r>
+            <a:endParaRPr lang="en-GB"/>
+          </a:p>
+        </p:txBody>
+      </p:sp>
+      <p:sp>
+        <p:nvSpPr>
+          <p:cNvPr id="3" name="Text Placeholder 2"/>
           <p:cNvSpPr>
             <a:spLocks noGrp="1"/>
           </p:cNvSpPr>
@@ -2647,44 +2650,44 @@
           <a:p>
             <a:pPr lvl="0"/>
             <a:r>
-              <a:rPr lang="fr-FR" smtClean="0"/>
-              <a:t>Cliquez pour modifier les styles du texte du masque</a:t>
+              <a:rPr lang="en-US" smtClean="0"/>
+              <a:t>Click to edit Master text styles</a:t>
             </a:r>
           </a:p>
           <a:p>
             <a:pPr lvl="1"/>
             <a:r>
-              <a:rPr lang="fr-FR" smtClean="0"/>
-              <a:t>Deuxième niveau</a:t>
+              <a:rPr lang="en-US" smtClean="0"/>
+              <a:t>Second level</a:t>
             </a:r>
           </a:p>
           <a:p>
             <a:pPr lvl="2"/>
             <a:r>
-              <a:rPr lang="fr-FR" smtClean="0"/>
-              <a:t>Troisième niveau</a:t>
+              <a:rPr lang="en-US" smtClean="0"/>
+              <a:t>Third level</a:t>
             </a:r>
           </a:p>
           <a:p>
             <a:pPr lvl="3"/>
             <a:r>
-              <a:rPr lang="fr-FR" smtClean="0"/>
-              <a:t>Quatrième niveau</a:t>
+              <a:rPr lang="en-US" smtClean="0"/>
+              <a:t>Fourth level</a:t>
             </a:r>
           </a:p>
           <a:p>
             <a:pPr lvl="4"/>
             <a:r>
-              <a:rPr lang="fr-FR" smtClean="0"/>
-              <a:t>Cinquième niveau</a:t>
-            </a:r>
-            <a:endParaRPr lang="fr-FR"/>
-          </a:p>
-        </p:txBody>
-      </p:sp>
-      <p:sp>
-        <p:nvSpPr>
-          <p:cNvPr id="4" name="Espace réservé de la date 3"/>
+              <a:rPr lang="en-US" smtClean="0"/>
+              <a:t>Fifth level</a:t>
+            </a:r>
+            <a:endParaRPr lang="en-GB"/>
+          </a:p>
+        </p:txBody>
+      </p:sp>
+      <p:sp>
+        <p:nvSpPr>
+          <p:cNvPr id="4" name="Date Placeholder 3"/>
           <p:cNvSpPr>
             <a:spLocks noGrp="1"/>
           </p:cNvSpPr>
@@ -2715,17 +2718,17 @@
             </a:lvl1pPr>
           </a:lstStyle>
           <a:p>
-            <a:fld id="{05BC3847-EEEF-4C4E-8432-08ECA26E08C2}" type="datetimeFigureOut">
-              <a:rPr lang="fr-FR" smtClean="0"/>
-              <a:t>30/01/17</a:t>
+            <a:fld id="{E6744CE3-0875-4B69-89C0-6F72D8139561}" type="datetimeFigureOut">
+              <a:rPr lang="en-GB" smtClean="0"/>
+              <a:t>13/02/2017</a:t>
             </a:fld>
-            <a:endParaRPr lang="fr-FR"/>
-          </a:p>
-        </p:txBody>
-      </p:sp>
-      <p:sp>
-        <p:nvSpPr>
-          <p:cNvPr id="5" name="Espace réservé du pied de page 4"/>
+            <a:endParaRPr lang="en-GB"/>
+          </a:p>
+        </p:txBody>
+      </p:sp>
+      <p:sp>
+        <p:nvSpPr>
+          <p:cNvPr id="5" name="Footer Placeholder 4"/>
           <p:cNvSpPr>
             <a:spLocks noGrp="1"/>
           </p:cNvSpPr>
@@ -2756,13 +2759,13 @@
             </a:lvl1pPr>
           </a:lstStyle>
           <a:p>
-            <a:endParaRPr lang="fr-FR"/>
-          </a:p>
-        </p:txBody>
-      </p:sp>
-      <p:sp>
-        <p:nvSpPr>
-          <p:cNvPr id="6" name="Espace réservé du numéro de diapositive 5"/>
+            <a:endParaRPr lang="en-GB"/>
+          </a:p>
+        </p:txBody>
+      </p:sp>
+      <p:sp>
+        <p:nvSpPr>
+          <p:cNvPr id="6" name="Slide Number Placeholder 5"/>
           <p:cNvSpPr>
             <a:spLocks noGrp="1"/>
           </p:cNvSpPr>
@@ -2793,18 +2796,18 @@
             </a:lvl1pPr>
           </a:lstStyle>
           <a:p>
-            <a:fld id="{450B7CEA-298C-E947-AA82-87C5CD1A8865}" type="slidenum">
-              <a:rPr lang="fr-FR" smtClean="0"/>
+            <a:fld id="{8DADB20D-508E-4C6D-A9E4-257D5607B0F6}" type="slidenum">
+              <a:rPr lang="en-GB" smtClean="0"/>
               <a:t>‹#›</a:t>
             </a:fld>
-            <a:endParaRPr lang="fr-FR"/>
+            <a:endParaRPr lang="en-GB"/>
           </a:p>
         </p:txBody>
       </p:sp>
     </p:spTree>
     <p:extLst>
       <p:ext uri="{BB962C8B-B14F-4D97-AF65-F5344CB8AC3E}">
-        <p14:creationId xmlns:p14="http://schemas.microsoft.com/office/powerpoint/2010/main" val="742818517"/>
+        <p14:creationId xmlns:p14="http://schemas.microsoft.com/office/powerpoint/2010/main" val="307823620"/>
       </p:ext>
     </p:extLst>
   </p:cSld>
@@ -2824,7 +2827,7 @@
   </p:sldLayoutIdLst>
   <p:txStyles>
     <p:titleStyle>
-      <a:lvl1pPr algn="ctr" defTabSz="457200" rtl="0" eaLnBrk="1" latinLnBrk="0" hangingPunct="1">
+      <a:lvl1pPr algn="ctr" defTabSz="914400" rtl="0" eaLnBrk="1" latinLnBrk="0" hangingPunct="1">
         <a:spcBef>
           <a:spcPct val="0"/>
         </a:spcBef>
@@ -2840,11 +2843,11 @@
       </a:lvl1pPr>
     </p:titleStyle>
     <p:bodyStyle>
-      <a:lvl1pPr marL="342900" indent="-342900" algn="l" defTabSz="457200" rtl="0" eaLnBrk="1" latinLnBrk="0" hangingPunct="1">
+      <a:lvl1pPr marL="342900" indent="-342900" algn="l" defTabSz="914400" rtl="0" eaLnBrk="1" latinLnBrk="0" hangingPunct="1">
         <a:spcBef>
           <a:spcPct val="20000"/>
         </a:spcBef>
-        <a:buFont typeface="Arial"/>
+        <a:buFont typeface="Arial" panose="020B0604020202020204" pitchFamily="34" charset="0"/>
         <a:buChar char="•"/>
         <a:defRPr sz="3200" kern="1200">
           <a:solidFill>
@@ -2855,11 +2858,11 @@
           <a:cs typeface="+mn-cs"/>
         </a:defRPr>
       </a:lvl1pPr>
-      <a:lvl2pPr marL="742950" indent="-285750" algn="l" defTabSz="457200" rtl="0" eaLnBrk="1" latinLnBrk="0" hangingPunct="1">
+      <a:lvl2pPr marL="742950" indent="-285750" algn="l" defTabSz="914400" rtl="0" eaLnBrk="1" latinLnBrk="0" hangingPunct="1">
         <a:spcBef>
           <a:spcPct val="20000"/>
         </a:spcBef>
-        <a:buFont typeface="Arial"/>
+        <a:buFont typeface="Arial" panose="020B0604020202020204" pitchFamily="34" charset="0"/>
         <a:buChar char="–"/>
         <a:defRPr sz="2800" kern="1200">
           <a:solidFill>
@@ -2870,11 +2873,11 @@
           <a:cs typeface="+mn-cs"/>
         </a:defRPr>
       </a:lvl2pPr>
-      <a:lvl3pPr marL="1143000" indent="-228600" algn="l" defTabSz="457200" rtl="0" eaLnBrk="1" latinLnBrk="0" hangingPunct="1">
+      <a:lvl3pPr marL="1143000" indent="-228600" algn="l" defTabSz="914400" rtl="0" eaLnBrk="1" latinLnBrk="0" hangingPunct="1">
         <a:spcBef>
           <a:spcPct val="20000"/>
         </a:spcBef>
-        <a:buFont typeface="Arial"/>
+        <a:buFont typeface="Arial" panose="020B0604020202020204" pitchFamily="34" charset="0"/>
         <a:buChar char="•"/>
         <a:defRPr sz="2400" kern="1200">
           <a:solidFill>
@@ -2885,11 +2888,11 @@
           <a:cs typeface="+mn-cs"/>
         </a:defRPr>
       </a:lvl3pPr>
-      <a:lvl4pPr marL="1600200" indent="-228600" algn="l" defTabSz="457200" rtl="0" eaLnBrk="1" latinLnBrk="0" hangingPunct="1">
+      <a:lvl4pPr marL="1600200" indent="-228600" algn="l" defTabSz="914400" rtl="0" eaLnBrk="1" latinLnBrk="0" hangingPunct="1">
         <a:spcBef>
           <a:spcPct val="20000"/>
         </a:spcBef>
-        <a:buFont typeface="Arial"/>
+        <a:buFont typeface="Arial" panose="020B0604020202020204" pitchFamily="34" charset="0"/>
         <a:buChar char="–"/>
         <a:defRPr sz="2000" kern="1200">
           <a:solidFill>
@@ -2900,11 +2903,11 @@
           <a:cs typeface="+mn-cs"/>
         </a:defRPr>
       </a:lvl4pPr>
-      <a:lvl5pPr marL="2057400" indent="-228600" algn="l" defTabSz="457200" rtl="0" eaLnBrk="1" latinLnBrk="0" hangingPunct="1">
+      <a:lvl5pPr marL="2057400" indent="-228600" algn="l" defTabSz="914400" rtl="0" eaLnBrk="1" latinLnBrk="0" hangingPunct="1">
         <a:spcBef>
           <a:spcPct val="20000"/>
         </a:spcBef>
-        <a:buFont typeface="Arial"/>
+        <a:buFont typeface="Arial" panose="020B0604020202020204" pitchFamily="34" charset="0"/>
         <a:buChar char="»"/>
         <a:defRPr sz="2000" kern="1200">
           <a:solidFill>
@@ -2915,11 +2918,11 @@
           <a:cs typeface="+mn-cs"/>
         </a:defRPr>
       </a:lvl5pPr>
-      <a:lvl6pPr marL="2514600" indent="-228600" algn="l" defTabSz="457200" rtl="0" eaLnBrk="1" latinLnBrk="0" hangingPunct="1">
+      <a:lvl6pPr marL="2514600" indent="-228600" algn="l" defTabSz="914400" rtl="0" eaLnBrk="1" latinLnBrk="0" hangingPunct="1">
         <a:spcBef>
           <a:spcPct val="20000"/>
         </a:spcBef>
-        <a:buFont typeface="Arial"/>
+        <a:buFont typeface="Arial" panose="020B0604020202020204" pitchFamily="34" charset="0"/>
         <a:buChar char="•"/>
         <a:defRPr sz="2000" kern="1200">
           <a:solidFill>
@@ -2930,11 +2933,11 @@
           <a:cs typeface="+mn-cs"/>
         </a:defRPr>
       </a:lvl6pPr>
-      <a:lvl7pPr marL="2971800" indent="-228600" algn="l" defTabSz="457200" rtl="0" eaLnBrk="1" latinLnBrk="0" hangingPunct="1">
+      <a:lvl7pPr marL="2971800" indent="-228600" algn="l" defTabSz="914400" rtl="0" eaLnBrk="1" latinLnBrk="0" hangingPunct="1">
         <a:spcBef>
           <a:spcPct val="20000"/>
         </a:spcBef>
-        <a:buFont typeface="Arial"/>
+        <a:buFont typeface="Arial" panose="020B0604020202020204" pitchFamily="34" charset="0"/>
         <a:buChar char="•"/>
         <a:defRPr sz="2000" kern="1200">
           <a:solidFill>
@@ -2945,11 +2948,11 @@
           <a:cs typeface="+mn-cs"/>
         </a:defRPr>
       </a:lvl7pPr>
-      <a:lvl8pPr marL="3429000" indent="-228600" algn="l" defTabSz="457200" rtl="0" eaLnBrk="1" latinLnBrk="0" hangingPunct="1">
+      <a:lvl8pPr marL="3429000" indent="-228600" algn="l" defTabSz="914400" rtl="0" eaLnBrk="1" latinLnBrk="0" hangingPunct="1">
         <a:spcBef>
           <a:spcPct val="20000"/>
         </a:spcBef>
-        <a:buFont typeface="Arial"/>
+        <a:buFont typeface="Arial" panose="020B0604020202020204" pitchFamily="34" charset="0"/>
         <a:buChar char="•"/>
         <a:defRPr sz="2000" kern="1200">
           <a:solidFill>
@@ -2960,11 +2963,11 @@
           <a:cs typeface="+mn-cs"/>
         </a:defRPr>
       </a:lvl8pPr>
-      <a:lvl9pPr marL="3886200" indent="-228600" algn="l" defTabSz="457200" rtl="0" eaLnBrk="1" latinLnBrk="0" hangingPunct="1">
+      <a:lvl9pPr marL="3886200" indent="-228600" algn="l" defTabSz="914400" rtl="0" eaLnBrk="1" latinLnBrk="0" hangingPunct="1">
         <a:spcBef>
           <a:spcPct val="20000"/>
         </a:spcBef>
-        <a:buFont typeface="Arial"/>
+        <a:buFont typeface="Arial" panose="020B0604020202020204" pitchFamily="34" charset="0"/>
         <a:buChar char="•"/>
         <a:defRPr sz="2000" kern="1200">
           <a:solidFill>
@@ -2978,9 +2981,9 @@
     </p:bodyStyle>
     <p:otherStyle>
       <a:defPPr>
-        <a:defRPr lang="fr-FR"/>
+        <a:defRPr lang="en-US"/>
       </a:defPPr>
-      <a:lvl1pPr marL="0" algn="l" defTabSz="457200" rtl="0" eaLnBrk="1" latinLnBrk="0" hangingPunct="1">
+      <a:lvl1pPr marL="0" algn="l" defTabSz="914400" rtl="0" eaLnBrk="1" latinLnBrk="0" hangingPunct="1">
         <a:defRPr sz="1800" kern="1200">
           <a:solidFill>
             <a:schemeClr val="tx1"/>
@@ -2990,7 +2993,7 @@
           <a:cs typeface="+mn-cs"/>
         </a:defRPr>
       </a:lvl1pPr>
-      <a:lvl2pPr marL="457200" algn="l" defTabSz="457200" rtl="0" eaLnBrk="1" latinLnBrk="0" hangingPunct="1">
+      <a:lvl2pPr marL="457200" algn="l" defTabSz="914400" rtl="0" eaLnBrk="1" latinLnBrk="0" hangingPunct="1">
         <a:defRPr sz="1800" kern="1200">
           <a:solidFill>
             <a:schemeClr val="tx1"/>
@@ -3000,7 +3003,7 @@
           <a:cs typeface="+mn-cs"/>
         </a:defRPr>
       </a:lvl2pPr>
-      <a:lvl3pPr marL="914400" algn="l" defTabSz="457200" rtl="0" eaLnBrk="1" latinLnBrk="0" hangingPunct="1">
+      <a:lvl3pPr marL="914400" algn="l" defTabSz="914400" rtl="0" eaLnBrk="1" latinLnBrk="0" hangingPunct="1">
         <a:defRPr sz="1800" kern="1200">
           <a:solidFill>
             <a:schemeClr val="tx1"/>
@@ -3010,7 +3013,7 @@
           <a:cs typeface="+mn-cs"/>
         </a:defRPr>
       </a:lvl3pPr>
-      <a:lvl4pPr marL="1371600" algn="l" defTabSz="457200" rtl="0" eaLnBrk="1" latinLnBrk="0" hangingPunct="1">
+      <a:lvl4pPr marL="1371600" algn="l" defTabSz="914400" rtl="0" eaLnBrk="1" latinLnBrk="0" hangingPunct="1">
         <a:defRPr sz="1800" kern="1200">
           <a:solidFill>
             <a:schemeClr val="tx1"/>
@@ -3020,7 +3023,7 @@
           <a:cs typeface="+mn-cs"/>
         </a:defRPr>
       </a:lvl4pPr>
-      <a:lvl5pPr marL="1828800" algn="l" defTabSz="457200" rtl="0" eaLnBrk="1" latinLnBrk="0" hangingPunct="1">
+      <a:lvl5pPr marL="1828800" algn="l" defTabSz="914400" rtl="0" eaLnBrk="1" latinLnBrk="0" hangingPunct="1">
         <a:defRPr sz="1800" kern="1200">
           <a:solidFill>
             <a:schemeClr val="tx1"/>
@@ -3030,7 +3033,7 @@
           <a:cs typeface="+mn-cs"/>
         </a:defRPr>
       </a:lvl5pPr>
-      <a:lvl6pPr marL="2286000" algn="l" defTabSz="457200" rtl="0" eaLnBrk="1" latinLnBrk="0" hangingPunct="1">
+      <a:lvl6pPr marL="2286000" algn="l" defTabSz="914400" rtl="0" eaLnBrk="1" latinLnBrk="0" hangingPunct="1">
         <a:defRPr sz="1800" kern="1200">
           <a:solidFill>
             <a:schemeClr val="tx1"/>
@@ -3040,7 +3043,7 @@
           <a:cs typeface="+mn-cs"/>
         </a:defRPr>
       </a:lvl6pPr>
-      <a:lvl7pPr marL="2743200" algn="l" defTabSz="457200" rtl="0" eaLnBrk="1" latinLnBrk="0" hangingPunct="1">
+      <a:lvl7pPr marL="2743200" algn="l" defTabSz="914400" rtl="0" eaLnBrk="1" latinLnBrk="0" hangingPunct="1">
         <a:defRPr sz="1800" kern="1200">
           <a:solidFill>
             <a:schemeClr val="tx1"/>
@@ -3050,7 +3053,7 @@
           <a:cs typeface="+mn-cs"/>
         </a:defRPr>
       </a:lvl7pPr>
-      <a:lvl8pPr marL="3200400" algn="l" defTabSz="457200" rtl="0" eaLnBrk="1" latinLnBrk="0" hangingPunct="1">
+      <a:lvl8pPr marL="3200400" algn="l" defTabSz="914400" rtl="0" eaLnBrk="1" latinLnBrk="0" hangingPunct="1">
         <a:defRPr sz="1800" kern="1200">
           <a:solidFill>
             <a:schemeClr val="tx1"/>
@@ -3060,7 +3063,7 @@
           <a:cs typeface="+mn-cs"/>
         </a:defRPr>
       </a:lvl8pPr>
-      <a:lvl9pPr marL="3657600" algn="l" defTabSz="457200" rtl="0" eaLnBrk="1" latinLnBrk="0" hangingPunct="1">
+      <a:lvl9pPr marL="3657600" algn="l" defTabSz="914400" rtl="0" eaLnBrk="1" latinLnBrk="0" hangingPunct="1">
         <a:defRPr sz="1800" kern="1200">
           <a:solidFill>
             <a:schemeClr val="tx1"/>
@@ -3075,10 +3078,16 @@
 </p:sldMaster>
 </file>
 
+<file path=ppt/tags/tag1.xml><?xml version="1.0" encoding="utf-8"?>
+<p:tagLst xmlns:a="http://schemas.openxmlformats.org/drawingml/2006/main" xmlns:r="http://schemas.openxmlformats.org/officeDocument/2006/relationships" xmlns:p="http://schemas.openxmlformats.org/presentationml/2006/main">
+  <p:tag name="_AMO_UNIQUEIDENTIFIER" val="Empty"/>
+</p:tagLst>
+</file>
+
 <file path=ppt/theme/theme1.xml><?xml version="1.0" encoding="utf-8"?>
-<a:theme xmlns:a="http://schemas.openxmlformats.org/drawingml/2006/main" name="Thème Office">
+<a:theme xmlns:a="http://schemas.openxmlformats.org/drawingml/2006/main" name="Office Theme">
   <a:themeElements>
-    <a:clrScheme name="Bureau">
+    <a:clrScheme name="Office">
       <a:dk1>
         <a:sysClr val="windowText" lastClr="000000"/>
       </a:dk1>
@@ -3116,7 +3125,7 @@
         <a:srgbClr val="800080"/>
       </a:folHlink>
     </a:clrScheme>
-    <a:fontScheme name="Bureau">
+    <a:fontScheme name="Office">
       <a:majorFont>
         <a:latin typeface="Calibri"/>
         <a:ea typeface=""/>
@@ -3188,7 +3197,7 @@
         <a:font script="Geor" typeface="Sylfaen"/>
       </a:minorFont>
     </a:fontScheme>
-    <a:fmtScheme name="Bureau">
+    <a:fmtScheme name="Office">
       <a:fillStyleLst>
         <a:solidFill>
           <a:schemeClr val="phClr"/>
@@ -3220,16 +3229,20 @@
           <a:gsLst>
             <a:gs pos="0">
               <a:schemeClr val="phClr">
-                <a:tint val="100000"/>
-                <a:shade val="100000"/>
+                <a:shade val="51000"/>
+                <a:satMod val="130000"/>
+              </a:schemeClr>
+            </a:gs>
+            <a:gs pos="80000">
+              <a:schemeClr val="phClr">
+                <a:shade val="93000"/>
                 <a:satMod val="130000"/>
               </a:schemeClr>
             </a:gs>
             <a:gs pos="100000">
               <a:schemeClr val="phClr">
-                <a:tint val="50000"/>
-                <a:shade val="100000"/>
-                <a:satMod val="350000"/>
+                <a:shade val="94000"/>
+                <a:satMod val="135000"/>
               </a:schemeClr>
             </a:gs>
           </a:gsLst>
@@ -3351,46 +3364,7 @@
       </a:bgFillStyleLst>
     </a:fmtScheme>
   </a:themeElements>
-  <a:objectDefaults>
-    <a:spDef>
-      <a:spPr/>
-      <a:bodyPr/>
-      <a:lstStyle/>
-      <a:style>
-        <a:lnRef idx="1">
-          <a:schemeClr val="accent1"/>
-        </a:lnRef>
-        <a:fillRef idx="3">
-          <a:schemeClr val="accent1"/>
-        </a:fillRef>
-        <a:effectRef idx="2">
-          <a:schemeClr val="accent1"/>
-        </a:effectRef>
-        <a:fontRef idx="minor">
-          <a:schemeClr val="lt1"/>
-        </a:fontRef>
-      </a:style>
-    </a:spDef>
-    <a:lnDef>
-      <a:spPr/>
-      <a:bodyPr/>
-      <a:lstStyle/>
-      <a:style>
-        <a:lnRef idx="2">
-          <a:schemeClr val="accent1"/>
-        </a:lnRef>
-        <a:fillRef idx="0">
-          <a:schemeClr val="accent1"/>
-        </a:fillRef>
-        <a:effectRef idx="1">
-          <a:schemeClr val="accent1"/>
-        </a:effectRef>
-        <a:fontRef idx="minor">
-          <a:schemeClr val="tx1"/>
-        </a:fontRef>
-      </a:style>
-    </a:lnDef>
-  </a:objectDefaults>
+  <a:objectDefaults/>
   <a:extraClrSchemeLst/>
 </a:theme>
 </file>